--- a/Java_notes.pptx
+++ b/Java_notes.pptx
@@ -11,6 +11,11 @@
     <p:sldId id="260" r:id="rId5"/>
     <p:sldId id="261" r:id="rId6"/>
     <p:sldId id="262" r:id="rId7"/>
+    <p:sldId id="263" r:id="rId8"/>
+    <p:sldId id="264" r:id="rId9"/>
+    <p:sldId id="265" r:id="rId10"/>
+    <p:sldId id="266" r:id="rId11"/>
+    <p:sldId id="267" r:id="rId12"/>
   </p:sldIdLst>
   <p:sldSz cx="12192000" cy="6858000"/>
   <p:notesSz cx="6858000" cy="9144000"/>
@@ -109,6 +114,11 @@
       </a:defRPr>
     </a:lvl9pPr>
   </p:defaultTextStyle>
+  <p:extLst>
+    <p:ext uri="{EFAFB233-063F-42B5-8137-9DF3F51BA10A}">
+      <p15:sldGuideLst xmlns:p15="http://schemas.microsoft.com/office/powerpoint/2012/main"/>
+    </p:ext>
+  </p:extLst>
 </p:presentation>
 </file>
 
@@ -259,7 +269,7 @@
           <a:p>
             <a:fld id="{54EF3891-EE92-464F-8B56-3878C41F3309}" type="datetimeFigureOut">
               <a:rPr lang="en-US" smtClean="0"/>
-              <a:t>12/13/2021</a:t>
+              <a:t>12/16/2021</a:t>
             </a:fld>
             <a:endParaRPr lang="en-US"/>
           </a:p>
@@ -457,7 +467,7 @@
           <a:p>
             <a:fld id="{54EF3891-EE92-464F-8B56-3878C41F3309}" type="datetimeFigureOut">
               <a:rPr lang="en-US" smtClean="0"/>
-              <a:t>12/13/2021</a:t>
+              <a:t>12/16/2021</a:t>
             </a:fld>
             <a:endParaRPr lang="en-US"/>
           </a:p>
@@ -665,7 +675,7 @@
           <a:p>
             <a:fld id="{54EF3891-EE92-464F-8B56-3878C41F3309}" type="datetimeFigureOut">
               <a:rPr lang="en-US" smtClean="0"/>
-              <a:t>12/13/2021</a:t>
+              <a:t>12/16/2021</a:t>
             </a:fld>
             <a:endParaRPr lang="en-US"/>
           </a:p>
@@ -863,7 +873,7 @@
           <a:p>
             <a:fld id="{54EF3891-EE92-464F-8B56-3878C41F3309}" type="datetimeFigureOut">
               <a:rPr lang="en-US" smtClean="0"/>
-              <a:t>12/13/2021</a:t>
+              <a:t>12/16/2021</a:t>
             </a:fld>
             <a:endParaRPr lang="en-US"/>
           </a:p>
@@ -1138,7 +1148,7 @@
           <a:p>
             <a:fld id="{54EF3891-EE92-464F-8B56-3878C41F3309}" type="datetimeFigureOut">
               <a:rPr lang="en-US" smtClean="0"/>
-              <a:t>12/13/2021</a:t>
+              <a:t>12/16/2021</a:t>
             </a:fld>
             <a:endParaRPr lang="en-US"/>
           </a:p>
@@ -1403,7 +1413,7 @@
           <a:p>
             <a:fld id="{54EF3891-EE92-464F-8B56-3878C41F3309}" type="datetimeFigureOut">
               <a:rPr lang="en-US" smtClean="0"/>
-              <a:t>12/13/2021</a:t>
+              <a:t>12/16/2021</a:t>
             </a:fld>
             <a:endParaRPr lang="en-US"/>
           </a:p>
@@ -1815,7 +1825,7 @@
           <a:p>
             <a:fld id="{54EF3891-EE92-464F-8B56-3878C41F3309}" type="datetimeFigureOut">
               <a:rPr lang="en-US" smtClean="0"/>
-              <a:t>12/13/2021</a:t>
+              <a:t>12/16/2021</a:t>
             </a:fld>
             <a:endParaRPr lang="en-US"/>
           </a:p>
@@ -1956,7 +1966,7 @@
           <a:p>
             <a:fld id="{54EF3891-EE92-464F-8B56-3878C41F3309}" type="datetimeFigureOut">
               <a:rPr lang="en-US" smtClean="0"/>
-              <a:t>12/13/2021</a:t>
+              <a:t>12/16/2021</a:t>
             </a:fld>
             <a:endParaRPr lang="en-US"/>
           </a:p>
@@ -2069,7 +2079,7 @@
           <a:p>
             <a:fld id="{54EF3891-EE92-464F-8B56-3878C41F3309}" type="datetimeFigureOut">
               <a:rPr lang="en-US" smtClean="0"/>
-              <a:t>12/13/2021</a:t>
+              <a:t>12/16/2021</a:t>
             </a:fld>
             <a:endParaRPr lang="en-US"/>
           </a:p>
@@ -2380,7 +2390,7 @@
           <a:p>
             <a:fld id="{54EF3891-EE92-464F-8B56-3878C41F3309}" type="datetimeFigureOut">
               <a:rPr lang="en-US" smtClean="0"/>
-              <a:t>12/13/2021</a:t>
+              <a:t>12/16/2021</a:t>
             </a:fld>
             <a:endParaRPr lang="en-US"/>
           </a:p>
@@ -2668,7 +2678,7 @@
           <a:p>
             <a:fld id="{54EF3891-EE92-464F-8B56-3878C41F3309}" type="datetimeFigureOut">
               <a:rPr lang="en-US" smtClean="0"/>
-              <a:t>12/13/2021</a:t>
+              <a:t>12/16/2021</a:t>
             </a:fld>
             <a:endParaRPr lang="en-US"/>
           </a:p>
@@ -2909,7 +2919,7 @@
           <a:p>
             <a:fld id="{54EF3891-EE92-464F-8B56-3878C41F3309}" type="datetimeFigureOut">
               <a:rPr lang="en-US" smtClean="0"/>
-              <a:t>12/13/2021</a:t>
+              <a:t>12/16/2021</a:t>
             </a:fld>
             <a:endParaRPr lang="en-US"/>
           </a:p>
@@ -3440,6 +3450,505 @@
 </p:sld>
 </file>
 
+<file path=ppt/slides/slide10.xml><?xml version="1.0" encoding="utf-8"?>
+<p:sld xmlns:a="http://schemas.openxmlformats.org/drawingml/2006/main" xmlns:r="http://schemas.openxmlformats.org/officeDocument/2006/relationships" xmlns:p="http://schemas.openxmlformats.org/presentationml/2006/main">
+  <p:cSld>
+    <p:spTree>
+      <p:nvGrpSpPr>
+        <p:cNvPr id="1" name=""/>
+        <p:cNvGrpSpPr/>
+        <p:nvPr/>
+      </p:nvGrpSpPr>
+      <p:grpSpPr>
+        <a:xfrm>
+          <a:off x="0" y="0"/>
+          <a:ext cx="0" cy="0"/>
+          <a:chOff x="0" y="0"/>
+          <a:chExt cx="0" cy="0"/>
+        </a:xfrm>
+      </p:grpSpPr>
+      <p:sp>
+        <p:nvSpPr>
+          <p:cNvPr id="2" name="Title 1">
+            <a:extLst>
+              <a:ext uri="{FF2B5EF4-FFF2-40B4-BE49-F238E27FC236}">
+                <a16:creationId xmlns:a16="http://schemas.microsoft.com/office/drawing/2014/main" id="{594B2552-5D25-4B41-A6FB-BE4D1434B74A}"/>
+              </a:ext>
+            </a:extLst>
+          </p:cNvPr>
+          <p:cNvSpPr>
+            <a:spLocks noGrp="1"/>
+          </p:cNvSpPr>
+          <p:nvPr>
+            <p:ph type="title"/>
+          </p:nvPr>
+        </p:nvSpPr>
+        <p:spPr/>
+        <p:txBody>
+          <a:bodyPr/>
+          <a:lstStyle/>
+          <a:p>
+            <a:r>
+              <a:rPr lang="en-US" dirty="0"/>
+              <a:t>Why need to use Encapsulation </a:t>
+            </a:r>
+          </a:p>
+        </p:txBody>
+      </p:sp>
+      <p:pic>
+        <p:nvPicPr>
+          <p:cNvPr id="5" name="Content Placeholder 4">
+            <a:extLst>
+              <a:ext uri="{FF2B5EF4-FFF2-40B4-BE49-F238E27FC236}">
+                <a16:creationId xmlns:a16="http://schemas.microsoft.com/office/drawing/2014/main" id="{8BFC9198-5C45-40FA-A99E-178E9F76EA71}"/>
+              </a:ext>
+            </a:extLst>
+          </p:cNvPr>
+          <p:cNvPicPr>
+            <a:picLocks noGrp="1" noChangeAspect="1"/>
+          </p:cNvPicPr>
+          <p:nvPr>
+            <p:ph idx="1"/>
+          </p:nvPr>
+        </p:nvPicPr>
+        <p:blipFill>
+          <a:blip r:embed="rId2"/>
+          <a:stretch>
+            <a:fillRect/>
+          </a:stretch>
+        </p:blipFill>
+        <p:spPr>
+          <a:xfrm>
+            <a:off x="838200" y="1792574"/>
+            <a:ext cx="5630751" cy="4351338"/>
+          </a:xfrm>
+        </p:spPr>
+      </p:pic>
+      <p:cxnSp>
+        <p:nvCxnSpPr>
+          <p:cNvPr id="7" name="Straight Arrow Connector 6">
+            <a:extLst>
+              <a:ext uri="{FF2B5EF4-FFF2-40B4-BE49-F238E27FC236}">
+                <a16:creationId xmlns:a16="http://schemas.microsoft.com/office/drawing/2014/main" id="{49F7D660-881A-4EC1-B004-05311008F3E9}"/>
+              </a:ext>
+            </a:extLst>
+          </p:cNvPr>
+          <p:cNvCxnSpPr/>
+          <p:nvPr/>
+        </p:nvCxnSpPr>
+        <p:spPr>
+          <a:xfrm>
+            <a:off x="4990641" y="3778786"/>
+            <a:ext cx="2126255" cy="0"/>
+          </a:xfrm>
+          <a:prstGeom prst="straightConnector1">
+            <a:avLst/>
+          </a:prstGeom>
+          <a:ln>
+            <a:tailEnd type="triangle"/>
+          </a:ln>
+        </p:spPr>
+        <p:style>
+          <a:lnRef idx="1">
+            <a:schemeClr val="accent1"/>
+          </a:lnRef>
+          <a:fillRef idx="0">
+            <a:schemeClr val="accent1"/>
+          </a:fillRef>
+          <a:effectRef idx="0">
+            <a:schemeClr val="accent1"/>
+          </a:effectRef>
+          <a:fontRef idx="minor">
+            <a:schemeClr val="tx1"/>
+          </a:fontRef>
+        </p:style>
+      </p:cxnSp>
+      <p:sp>
+        <p:nvSpPr>
+          <p:cNvPr id="8" name="TextBox 7">
+            <a:extLst>
+              <a:ext uri="{FF2B5EF4-FFF2-40B4-BE49-F238E27FC236}">
+                <a16:creationId xmlns:a16="http://schemas.microsoft.com/office/drawing/2014/main" id="{A7C39CD5-EEDA-44B7-BBC1-8074D5623443}"/>
+              </a:ext>
+            </a:extLst>
+          </p:cNvPr>
+          <p:cNvSpPr txBox="1"/>
+          <p:nvPr/>
+        </p:nvSpPr>
+        <p:spPr>
+          <a:xfrm>
+            <a:off x="7326217" y="3558448"/>
+            <a:ext cx="2577947" cy="646331"/>
+          </a:xfrm>
+          <a:prstGeom prst="rect">
+            <a:avLst/>
+          </a:prstGeom>
+          <a:noFill/>
+        </p:spPr>
+        <p:txBody>
+          <a:bodyPr wrap="square" rtlCol="0">
+            <a:spAutoFit/>
+          </a:bodyPr>
+          <a:lstStyle/>
+          <a:p>
+            <a:r>
+              <a:rPr lang="en-US" dirty="0"/>
+              <a:t>We can get a log file if we use encapsulation</a:t>
+            </a:r>
+          </a:p>
+        </p:txBody>
+      </p:sp>
+    </p:spTree>
+    <p:extLst>
+      <p:ext uri="{BB962C8B-B14F-4D97-AF65-F5344CB8AC3E}">
+        <p14:creationId xmlns:p14="http://schemas.microsoft.com/office/powerpoint/2010/main" val="1756501353"/>
+      </p:ext>
+    </p:extLst>
+  </p:cSld>
+  <p:clrMapOvr>
+    <a:masterClrMapping/>
+  </p:clrMapOvr>
+</p:sld>
+</file>
+
+<file path=ppt/slides/slide11.xml><?xml version="1.0" encoding="utf-8"?>
+<p:sld xmlns:a="http://schemas.openxmlformats.org/drawingml/2006/main" xmlns:r="http://schemas.openxmlformats.org/officeDocument/2006/relationships" xmlns:p="http://schemas.openxmlformats.org/presentationml/2006/main">
+  <p:cSld>
+    <p:spTree>
+      <p:nvGrpSpPr>
+        <p:cNvPr id="1" name=""/>
+        <p:cNvGrpSpPr/>
+        <p:nvPr/>
+      </p:nvGrpSpPr>
+      <p:grpSpPr>
+        <a:xfrm>
+          <a:off x="0" y="0"/>
+          <a:ext cx="0" cy="0"/>
+          <a:chOff x="0" y="0"/>
+          <a:chExt cx="0" cy="0"/>
+        </a:xfrm>
+      </p:grpSpPr>
+      <p:sp>
+        <p:nvSpPr>
+          <p:cNvPr id="2" name="Title 1">
+            <a:extLst>
+              <a:ext uri="{FF2B5EF4-FFF2-40B4-BE49-F238E27FC236}">
+                <a16:creationId xmlns:a16="http://schemas.microsoft.com/office/drawing/2014/main" id="{F1EDDAC1-0428-4E94-8A8F-E2830975F96F}"/>
+              </a:ext>
+            </a:extLst>
+          </p:cNvPr>
+          <p:cNvSpPr>
+            <a:spLocks noGrp="1"/>
+          </p:cNvSpPr>
+          <p:nvPr>
+            <p:ph type="title"/>
+          </p:nvPr>
+        </p:nvSpPr>
+        <p:spPr>
+          <a:xfrm>
+            <a:off x="838200" y="155805"/>
+            <a:ext cx="10515600" cy="1325563"/>
+          </a:xfrm>
+        </p:spPr>
+        <p:txBody>
+          <a:bodyPr/>
+          <a:lstStyle/>
+          <a:p>
+            <a:r>
+              <a:rPr lang="en-US" dirty="0"/>
+              <a:t>Abstract</a:t>
+            </a:r>
+          </a:p>
+        </p:txBody>
+      </p:sp>
+      <p:pic>
+        <p:nvPicPr>
+          <p:cNvPr id="5" name="Content Placeholder 4">
+            <a:extLst>
+              <a:ext uri="{FF2B5EF4-FFF2-40B4-BE49-F238E27FC236}">
+                <a16:creationId xmlns:a16="http://schemas.microsoft.com/office/drawing/2014/main" id="{E17D3F25-0357-466B-9F03-994C7DA9AEB6}"/>
+              </a:ext>
+            </a:extLst>
+          </p:cNvPr>
+          <p:cNvPicPr>
+            <a:picLocks noGrp="1" noChangeAspect="1"/>
+          </p:cNvPicPr>
+          <p:nvPr>
+            <p:ph idx="1"/>
+          </p:nvPr>
+        </p:nvPicPr>
+        <p:blipFill>
+          <a:blip r:embed="rId2"/>
+          <a:stretch>
+            <a:fillRect/>
+          </a:stretch>
+        </p:blipFill>
+        <p:spPr>
+          <a:xfrm>
+            <a:off x="688169" y="1408153"/>
+            <a:ext cx="5162383" cy="4854575"/>
+          </a:xfrm>
+        </p:spPr>
+      </p:pic>
+      <p:sp>
+        <p:nvSpPr>
+          <p:cNvPr id="6" name="Right Brace 5">
+            <a:extLst>
+              <a:ext uri="{FF2B5EF4-FFF2-40B4-BE49-F238E27FC236}">
+                <a16:creationId xmlns:a16="http://schemas.microsoft.com/office/drawing/2014/main" id="{EAE860D7-0228-4826-9C1C-9735DC2E7F44}"/>
+              </a:ext>
+            </a:extLst>
+          </p:cNvPr>
+          <p:cNvSpPr/>
+          <p:nvPr/>
+        </p:nvSpPr>
+        <p:spPr>
+          <a:xfrm>
+            <a:off x="5971142" y="2247441"/>
+            <a:ext cx="124858" cy="638978"/>
+          </a:xfrm>
+          <a:prstGeom prst="rightBrace">
+            <a:avLst/>
+          </a:prstGeom>
+        </p:spPr>
+        <p:style>
+          <a:lnRef idx="1">
+            <a:schemeClr val="accent1"/>
+          </a:lnRef>
+          <a:fillRef idx="0">
+            <a:schemeClr val="accent1"/>
+          </a:fillRef>
+          <a:effectRef idx="0">
+            <a:schemeClr val="accent1"/>
+          </a:effectRef>
+          <a:fontRef idx="minor">
+            <a:schemeClr val="tx1"/>
+          </a:fontRef>
+        </p:style>
+        <p:txBody>
+          <a:bodyPr rtlCol="0" anchor="ctr"/>
+          <a:lstStyle/>
+          <a:p>
+            <a:pPr algn="ctr"/>
+            <a:endParaRPr lang="en-US"/>
+          </a:p>
+        </p:txBody>
+      </p:sp>
+      <p:cxnSp>
+        <p:nvCxnSpPr>
+          <p:cNvPr id="8" name="Straight Arrow Connector 7">
+            <a:extLst>
+              <a:ext uri="{FF2B5EF4-FFF2-40B4-BE49-F238E27FC236}">
+                <a16:creationId xmlns:a16="http://schemas.microsoft.com/office/drawing/2014/main" id="{B48CD1BE-A265-4F33-BDB9-C025750E9894}"/>
+              </a:ext>
+            </a:extLst>
+          </p:cNvPr>
+          <p:cNvCxnSpPr>
+            <a:stCxn id="6" idx="1"/>
+          </p:cNvCxnSpPr>
+          <p:nvPr/>
+        </p:nvCxnSpPr>
+        <p:spPr>
+          <a:xfrm>
+            <a:off x="6096000" y="2566930"/>
+            <a:ext cx="987846" cy="0"/>
+          </a:xfrm>
+          <a:prstGeom prst="straightConnector1">
+            <a:avLst/>
+          </a:prstGeom>
+          <a:ln>
+            <a:tailEnd type="triangle"/>
+          </a:ln>
+        </p:spPr>
+        <p:style>
+          <a:lnRef idx="1">
+            <a:schemeClr val="accent1"/>
+          </a:lnRef>
+          <a:fillRef idx="0">
+            <a:schemeClr val="accent1"/>
+          </a:fillRef>
+          <a:effectRef idx="0">
+            <a:schemeClr val="accent1"/>
+          </a:effectRef>
+          <a:fontRef idx="minor">
+            <a:schemeClr val="tx1"/>
+          </a:fontRef>
+        </p:style>
+      </p:cxnSp>
+      <p:sp>
+        <p:nvSpPr>
+          <p:cNvPr id="9" name="TextBox 8">
+            <a:extLst>
+              <a:ext uri="{FF2B5EF4-FFF2-40B4-BE49-F238E27FC236}">
+                <a16:creationId xmlns:a16="http://schemas.microsoft.com/office/drawing/2014/main" id="{F9E0005E-6E26-4CE8-9735-91D6A29F4B50}"/>
+              </a:ext>
+            </a:extLst>
+          </p:cNvPr>
+          <p:cNvSpPr txBox="1"/>
+          <p:nvPr/>
+        </p:nvSpPr>
+        <p:spPr>
+          <a:xfrm>
+            <a:off x="7083846" y="1967971"/>
+            <a:ext cx="5162383" cy="923330"/>
+          </a:xfrm>
+          <a:prstGeom prst="rect">
+            <a:avLst/>
+          </a:prstGeom>
+          <a:noFill/>
+        </p:spPr>
+        <p:txBody>
+          <a:bodyPr wrap="square" rtlCol="0">
+            <a:spAutoFit/>
+          </a:bodyPr>
+          <a:lstStyle/>
+          <a:p>
+            <a:r>
+              <a:rPr lang="en-US" dirty="0"/>
+              <a:t>When we don’t want define a method (</a:t>
+            </a:r>
+            <a:r>
+              <a:rPr lang="en-US" dirty="0" err="1"/>
+              <a:t>e.g.eat</a:t>
+            </a:r>
+            <a:r>
+              <a:rPr lang="en-US" dirty="0"/>
+              <a:t> method), we can make it abstract and the class which contains the method must also be an abstract class </a:t>
+            </a:r>
+          </a:p>
+        </p:txBody>
+      </p:sp>
+      <p:sp>
+        <p:nvSpPr>
+          <p:cNvPr id="10" name="Right Brace 9">
+            <a:extLst>
+              <a:ext uri="{FF2B5EF4-FFF2-40B4-BE49-F238E27FC236}">
+                <a16:creationId xmlns:a16="http://schemas.microsoft.com/office/drawing/2014/main" id="{5142349F-0478-4C51-B453-AA078460ED61}"/>
+              </a:ext>
+            </a:extLst>
+          </p:cNvPr>
+          <p:cNvSpPr/>
+          <p:nvPr/>
+        </p:nvSpPr>
+        <p:spPr>
+          <a:xfrm>
+            <a:off x="5971142" y="3233070"/>
+            <a:ext cx="45904" cy="638978"/>
+          </a:xfrm>
+          <a:prstGeom prst="rightBrace">
+            <a:avLst/>
+          </a:prstGeom>
+        </p:spPr>
+        <p:style>
+          <a:lnRef idx="1">
+            <a:schemeClr val="accent1"/>
+          </a:lnRef>
+          <a:fillRef idx="0">
+            <a:schemeClr val="accent1"/>
+          </a:fillRef>
+          <a:effectRef idx="0">
+            <a:schemeClr val="accent1"/>
+          </a:effectRef>
+          <a:fontRef idx="minor">
+            <a:schemeClr val="tx1"/>
+          </a:fontRef>
+        </p:style>
+        <p:txBody>
+          <a:bodyPr rtlCol="0" anchor="ctr"/>
+          <a:lstStyle/>
+          <a:p>
+            <a:pPr algn="ctr"/>
+            <a:endParaRPr lang="en-US"/>
+          </a:p>
+        </p:txBody>
+      </p:sp>
+      <p:cxnSp>
+        <p:nvCxnSpPr>
+          <p:cNvPr id="11" name="Straight Arrow Connector 10">
+            <a:extLst>
+              <a:ext uri="{FF2B5EF4-FFF2-40B4-BE49-F238E27FC236}">
+                <a16:creationId xmlns:a16="http://schemas.microsoft.com/office/drawing/2014/main" id="{AE4F8E8D-1441-4F5B-AB76-3F57580896AA}"/>
+              </a:ext>
+            </a:extLst>
+          </p:cNvPr>
+          <p:cNvCxnSpPr/>
+          <p:nvPr/>
+        </p:nvCxnSpPr>
+        <p:spPr>
+          <a:xfrm>
+            <a:off x="6096000" y="3539706"/>
+            <a:ext cx="987846" cy="0"/>
+          </a:xfrm>
+          <a:prstGeom prst="straightConnector1">
+            <a:avLst/>
+          </a:prstGeom>
+          <a:ln>
+            <a:tailEnd type="triangle"/>
+          </a:ln>
+        </p:spPr>
+        <p:style>
+          <a:lnRef idx="1">
+            <a:schemeClr val="accent1"/>
+          </a:lnRef>
+          <a:fillRef idx="0">
+            <a:schemeClr val="accent1"/>
+          </a:fillRef>
+          <a:effectRef idx="0">
+            <a:schemeClr val="accent1"/>
+          </a:effectRef>
+          <a:fontRef idx="minor">
+            <a:schemeClr val="tx1"/>
+          </a:fontRef>
+        </p:style>
+      </p:cxnSp>
+      <p:sp>
+        <p:nvSpPr>
+          <p:cNvPr id="12" name="TextBox 11">
+            <a:extLst>
+              <a:ext uri="{FF2B5EF4-FFF2-40B4-BE49-F238E27FC236}">
+                <a16:creationId xmlns:a16="http://schemas.microsoft.com/office/drawing/2014/main" id="{FAA237D3-01F2-48A2-89C0-FD36682966B7}"/>
+              </a:ext>
+            </a:extLst>
+          </p:cNvPr>
+          <p:cNvSpPr txBox="1"/>
+          <p:nvPr/>
+        </p:nvSpPr>
+        <p:spPr>
+          <a:xfrm>
+            <a:off x="7162800" y="3233070"/>
+            <a:ext cx="5162383" cy="646331"/>
+          </a:xfrm>
+          <a:prstGeom prst="rect">
+            <a:avLst/>
+          </a:prstGeom>
+          <a:noFill/>
+        </p:spPr>
+        <p:txBody>
+          <a:bodyPr wrap="square" rtlCol="0">
+            <a:spAutoFit/>
+          </a:bodyPr>
+          <a:lstStyle/>
+          <a:p>
+            <a:r>
+              <a:rPr lang="en-US" dirty="0"/>
+              <a:t>If the child class extends the abstract class, child class must have the same methods in the parent class</a:t>
+            </a:r>
+          </a:p>
+        </p:txBody>
+      </p:sp>
+    </p:spTree>
+    <p:extLst>
+      <p:ext uri="{BB962C8B-B14F-4D97-AF65-F5344CB8AC3E}">
+        <p14:creationId xmlns:p14="http://schemas.microsoft.com/office/powerpoint/2010/main" val="700953230"/>
+      </p:ext>
+    </p:extLst>
+  </p:cSld>
+  <p:clrMapOvr>
+    <a:masterClrMapping/>
+  </p:clrMapOvr>
+</p:sld>
+</file>
+
 <file path=ppt/slides/slide2.xml><?xml version="1.0" encoding="utf-8"?>
 <p:sld xmlns:a="http://schemas.openxmlformats.org/drawingml/2006/main" xmlns:r="http://schemas.openxmlformats.org/officeDocument/2006/relationships" xmlns:p="http://schemas.openxmlformats.org/presentationml/2006/main">
   <p:cSld>
@@ -3935,6 +4444,348 @@
     <p:extLst>
       <p:ext uri="{BB962C8B-B14F-4D97-AF65-F5344CB8AC3E}">
         <p14:creationId xmlns:p14="http://schemas.microsoft.com/office/powerpoint/2010/main" val="2544708230"/>
+      </p:ext>
+    </p:extLst>
+  </p:cSld>
+  <p:clrMapOvr>
+    <a:masterClrMapping/>
+  </p:clrMapOvr>
+</p:sld>
+</file>
+
+<file path=ppt/slides/slide7.xml><?xml version="1.0" encoding="utf-8"?>
+<p:sld xmlns:a="http://schemas.openxmlformats.org/drawingml/2006/main" xmlns:r="http://schemas.openxmlformats.org/officeDocument/2006/relationships" xmlns:p="http://schemas.openxmlformats.org/presentationml/2006/main">
+  <p:cSld>
+    <p:spTree>
+      <p:nvGrpSpPr>
+        <p:cNvPr id="1" name=""/>
+        <p:cNvGrpSpPr/>
+        <p:nvPr/>
+      </p:nvGrpSpPr>
+      <p:grpSpPr>
+        <a:xfrm>
+          <a:off x="0" y="0"/>
+          <a:ext cx="0" cy="0"/>
+          <a:chOff x="0" y="0"/>
+          <a:chExt cx="0" cy="0"/>
+        </a:xfrm>
+      </p:grpSpPr>
+      <p:sp>
+        <p:nvSpPr>
+          <p:cNvPr id="2" name="Title 1">
+            <a:extLst>
+              <a:ext uri="{FF2B5EF4-FFF2-40B4-BE49-F238E27FC236}">
+                <a16:creationId xmlns:a16="http://schemas.microsoft.com/office/drawing/2014/main" id="{87A288D6-2888-4BD0-86BE-E4BBE443D12F}"/>
+              </a:ext>
+            </a:extLst>
+          </p:cNvPr>
+          <p:cNvSpPr>
+            <a:spLocks noGrp="1"/>
+          </p:cNvSpPr>
+          <p:nvPr>
+            <p:ph type="title"/>
+          </p:nvPr>
+        </p:nvSpPr>
+        <p:spPr/>
+        <p:txBody>
+          <a:bodyPr/>
+          <a:lstStyle/>
+          <a:p>
+            <a:r>
+              <a:rPr lang="en-US" dirty="0"/>
+              <a:t>2D array</a:t>
+            </a:r>
+          </a:p>
+        </p:txBody>
+      </p:sp>
+      <p:pic>
+        <p:nvPicPr>
+          <p:cNvPr id="5" name="Content Placeholder 4">
+            <a:extLst>
+              <a:ext uri="{FF2B5EF4-FFF2-40B4-BE49-F238E27FC236}">
+                <a16:creationId xmlns:a16="http://schemas.microsoft.com/office/drawing/2014/main" id="{360C0998-7D9B-4C8B-9A8E-D20F90A40569}"/>
+              </a:ext>
+            </a:extLst>
+          </p:cNvPr>
+          <p:cNvPicPr>
+            <a:picLocks noGrp="1" noChangeAspect="1"/>
+          </p:cNvPicPr>
+          <p:nvPr>
+            <p:ph idx="1"/>
+          </p:nvPr>
+        </p:nvPicPr>
+        <p:blipFill>
+          <a:blip r:embed="rId2"/>
+          <a:stretch>
+            <a:fillRect/>
+          </a:stretch>
+        </p:blipFill>
+        <p:spPr>
+          <a:xfrm>
+            <a:off x="1073226" y="2379443"/>
+            <a:ext cx="4093272" cy="2099114"/>
+          </a:xfrm>
+        </p:spPr>
+      </p:pic>
+    </p:spTree>
+    <p:extLst>
+      <p:ext uri="{BB962C8B-B14F-4D97-AF65-F5344CB8AC3E}">
+        <p14:creationId xmlns:p14="http://schemas.microsoft.com/office/powerpoint/2010/main" val="2643647329"/>
+      </p:ext>
+    </p:extLst>
+  </p:cSld>
+  <p:clrMapOvr>
+    <a:masterClrMapping/>
+  </p:clrMapOvr>
+</p:sld>
+</file>
+
+<file path=ppt/slides/slide8.xml><?xml version="1.0" encoding="utf-8"?>
+<p:sld xmlns:a="http://schemas.openxmlformats.org/drawingml/2006/main" xmlns:r="http://schemas.openxmlformats.org/officeDocument/2006/relationships" xmlns:p="http://schemas.openxmlformats.org/presentationml/2006/main">
+  <p:cSld>
+    <p:spTree>
+      <p:nvGrpSpPr>
+        <p:cNvPr id="1" name=""/>
+        <p:cNvGrpSpPr/>
+        <p:nvPr/>
+      </p:nvGrpSpPr>
+      <p:grpSpPr>
+        <a:xfrm>
+          <a:off x="0" y="0"/>
+          <a:ext cx="0" cy="0"/>
+          <a:chOff x="0" y="0"/>
+          <a:chExt cx="0" cy="0"/>
+        </a:xfrm>
+      </p:grpSpPr>
+      <p:sp>
+        <p:nvSpPr>
+          <p:cNvPr id="2" name="Title 1">
+            <a:extLst>
+              <a:ext uri="{FF2B5EF4-FFF2-40B4-BE49-F238E27FC236}">
+                <a16:creationId xmlns:a16="http://schemas.microsoft.com/office/drawing/2014/main" id="{2776F5B4-6442-4982-BC8E-D29EFE733DAC}"/>
+              </a:ext>
+            </a:extLst>
+          </p:cNvPr>
+          <p:cNvSpPr>
+            <a:spLocks noGrp="1"/>
+          </p:cNvSpPr>
+          <p:nvPr>
+            <p:ph type="title"/>
+          </p:nvPr>
+        </p:nvSpPr>
+        <p:spPr>
+          <a:xfrm>
+            <a:off x="838200" y="365125"/>
+            <a:ext cx="10515600" cy="901815"/>
+          </a:xfrm>
+        </p:spPr>
+        <p:txBody>
+          <a:bodyPr/>
+          <a:lstStyle/>
+          <a:p>
+            <a:r>
+              <a:rPr lang="en-US" dirty="0"/>
+              <a:t>Super method</a:t>
+            </a:r>
+          </a:p>
+        </p:txBody>
+      </p:sp>
+      <p:sp>
+        <p:nvSpPr>
+          <p:cNvPr id="3" name="Content Placeholder 2">
+            <a:extLst>
+              <a:ext uri="{FF2B5EF4-FFF2-40B4-BE49-F238E27FC236}">
+                <a16:creationId xmlns:a16="http://schemas.microsoft.com/office/drawing/2014/main" id="{CFF178B0-392D-4719-8AD8-BBC0369FD9BC}"/>
+              </a:ext>
+            </a:extLst>
+          </p:cNvPr>
+          <p:cNvSpPr>
+            <a:spLocks noGrp="1"/>
+          </p:cNvSpPr>
+          <p:nvPr>
+            <p:ph idx="1"/>
+          </p:nvPr>
+        </p:nvSpPr>
+        <p:spPr>
+          <a:xfrm>
+            <a:off x="750065" y="1253331"/>
+            <a:ext cx="10515600" cy="4351338"/>
+          </a:xfrm>
+        </p:spPr>
+        <p:txBody>
+          <a:bodyPr/>
+          <a:lstStyle/>
+          <a:p>
+            <a:r>
+              <a:rPr lang="en-US" sz="1800" dirty="0">
+                <a:solidFill>
+                  <a:srgbClr val="3F7F5F"/>
+                </a:solidFill>
+                <a:latin typeface="Consolas" panose="020B0609020204030204" pitchFamily="49" charset="0"/>
+              </a:rPr>
+              <a:t>when call </a:t>
+            </a:r>
+            <a:r>
+              <a:rPr lang="en-US" sz="1800" u="sng" dirty="0" err="1">
+                <a:solidFill>
+                  <a:srgbClr val="3F7F5F"/>
+                </a:solidFill>
+                <a:latin typeface="Consolas" panose="020B0609020204030204" pitchFamily="49" charset="0"/>
+              </a:rPr>
+              <a:t>childclass</a:t>
+            </a:r>
+            <a:r>
+              <a:rPr lang="en-US" sz="1800" u="sng" dirty="0">
+                <a:solidFill>
+                  <a:srgbClr val="3F7F5F"/>
+                </a:solidFill>
+                <a:latin typeface="Consolas" panose="020B0609020204030204" pitchFamily="49" charset="0"/>
+              </a:rPr>
+              <a:t> constructor, it will execute the parent constructor as well</a:t>
+            </a:r>
+          </a:p>
+          <a:p>
+            <a:endParaRPr lang="en-US" sz="1800" u="sng" dirty="0">
+              <a:solidFill>
+                <a:srgbClr val="3F7F5F"/>
+              </a:solidFill>
+              <a:latin typeface="Consolas" panose="020B0609020204030204" pitchFamily="49" charset="0"/>
+            </a:endParaRPr>
+          </a:p>
+          <a:p>
+            <a:endParaRPr lang="en-US" sz="1800" u="sng" dirty="0">
+              <a:solidFill>
+                <a:srgbClr val="3F7F5F"/>
+              </a:solidFill>
+              <a:latin typeface="Consolas" panose="020B0609020204030204" pitchFamily="49" charset="0"/>
+            </a:endParaRPr>
+          </a:p>
+          <a:p>
+            <a:endParaRPr lang="en-US" dirty="0"/>
+          </a:p>
+        </p:txBody>
+      </p:sp>
+      <p:pic>
+        <p:nvPicPr>
+          <p:cNvPr id="5" name="Picture 4">
+            <a:extLst>
+              <a:ext uri="{FF2B5EF4-FFF2-40B4-BE49-F238E27FC236}">
+                <a16:creationId xmlns:a16="http://schemas.microsoft.com/office/drawing/2014/main" id="{CCFDD4BE-8143-4EF6-9247-D0A8CB3135CA}"/>
+              </a:ext>
+            </a:extLst>
+          </p:cNvPr>
+          <p:cNvPicPr>
+            <a:picLocks noChangeAspect="1"/>
+          </p:cNvPicPr>
+          <p:nvPr/>
+        </p:nvPicPr>
+        <p:blipFill>
+          <a:blip r:embed="rId2"/>
+          <a:stretch>
+            <a:fillRect/>
+          </a:stretch>
+        </p:blipFill>
+        <p:spPr>
+          <a:xfrm>
+            <a:off x="926335" y="1633105"/>
+            <a:ext cx="9426766" cy="4958040"/>
+          </a:xfrm>
+          <a:prstGeom prst="rect">
+            <a:avLst/>
+          </a:prstGeom>
+        </p:spPr>
+      </p:pic>
+    </p:spTree>
+    <p:extLst>
+      <p:ext uri="{BB962C8B-B14F-4D97-AF65-F5344CB8AC3E}">
+        <p14:creationId xmlns:p14="http://schemas.microsoft.com/office/powerpoint/2010/main" val="1606565296"/>
+      </p:ext>
+    </p:extLst>
+  </p:cSld>
+  <p:clrMapOvr>
+    <a:masterClrMapping/>
+  </p:clrMapOvr>
+</p:sld>
+</file>
+
+<file path=ppt/slides/slide9.xml><?xml version="1.0" encoding="utf-8"?>
+<p:sld xmlns:a="http://schemas.openxmlformats.org/drawingml/2006/main" xmlns:r="http://schemas.openxmlformats.org/officeDocument/2006/relationships" xmlns:p="http://schemas.openxmlformats.org/presentationml/2006/main">
+  <p:cSld>
+    <p:spTree>
+      <p:nvGrpSpPr>
+        <p:cNvPr id="1" name=""/>
+        <p:cNvGrpSpPr/>
+        <p:nvPr/>
+      </p:nvGrpSpPr>
+      <p:grpSpPr>
+        <a:xfrm>
+          <a:off x="0" y="0"/>
+          <a:ext cx="0" cy="0"/>
+          <a:chOff x="0" y="0"/>
+          <a:chExt cx="0" cy="0"/>
+        </a:xfrm>
+      </p:grpSpPr>
+      <p:sp>
+        <p:nvSpPr>
+          <p:cNvPr id="2" name="Title 1">
+            <a:extLst>
+              <a:ext uri="{FF2B5EF4-FFF2-40B4-BE49-F238E27FC236}">
+                <a16:creationId xmlns:a16="http://schemas.microsoft.com/office/drawing/2014/main" id="{F7AC8AED-B0F4-4CE4-8A2A-33353D7728C2}"/>
+              </a:ext>
+            </a:extLst>
+          </p:cNvPr>
+          <p:cNvSpPr>
+            <a:spLocks noGrp="1"/>
+          </p:cNvSpPr>
+          <p:nvPr>
+            <p:ph type="title"/>
+          </p:nvPr>
+        </p:nvSpPr>
+        <p:spPr/>
+        <p:txBody>
+          <a:bodyPr/>
+          <a:lstStyle/>
+          <a:p>
+            <a:r>
+              <a:rPr lang="en-US" dirty="0"/>
+              <a:t>Encapsulation (get/set class variable using method)</a:t>
+            </a:r>
+          </a:p>
+        </p:txBody>
+      </p:sp>
+      <p:pic>
+        <p:nvPicPr>
+          <p:cNvPr id="5" name="Content Placeholder 4">
+            <a:extLst>
+              <a:ext uri="{FF2B5EF4-FFF2-40B4-BE49-F238E27FC236}">
+                <a16:creationId xmlns:a16="http://schemas.microsoft.com/office/drawing/2014/main" id="{839E252A-1024-48E6-9458-D71A8C1B4FF6}"/>
+              </a:ext>
+            </a:extLst>
+          </p:cNvPr>
+          <p:cNvPicPr>
+            <a:picLocks noGrp="1" noChangeAspect="1"/>
+          </p:cNvPicPr>
+          <p:nvPr>
+            <p:ph idx="1"/>
+          </p:nvPr>
+        </p:nvPicPr>
+        <p:blipFill>
+          <a:blip r:embed="rId2"/>
+          <a:stretch>
+            <a:fillRect/>
+          </a:stretch>
+        </p:blipFill>
+        <p:spPr>
+          <a:xfrm>
+            <a:off x="838200" y="1902742"/>
+            <a:ext cx="5463448" cy="4841031"/>
+          </a:xfrm>
+        </p:spPr>
+      </p:pic>
+    </p:spTree>
+    <p:extLst>
+      <p:ext uri="{BB962C8B-B14F-4D97-AF65-F5344CB8AC3E}">
+        <p14:creationId xmlns:p14="http://schemas.microsoft.com/office/powerpoint/2010/main" val="2664384427"/>
       </p:ext>
     </p:extLst>
   </p:cSld>

--- a/Java_notes.pptx
+++ b/Java_notes.pptx
@@ -4,6 +4,9 @@
   <p:sldMasterIdLst>
     <p:sldMasterId id="2147483648" r:id="rId1"/>
   </p:sldMasterIdLst>
+  <p:notesMasterIdLst>
+    <p:notesMasterId r:id="rId14"/>
+  </p:notesMasterIdLst>
   <p:sldIdLst>
     <p:sldId id="256" r:id="rId2"/>
     <p:sldId id="258" r:id="rId3"/>
@@ -16,6 +19,7 @@
     <p:sldId id="265" r:id="rId10"/>
     <p:sldId id="266" r:id="rId11"/>
     <p:sldId id="267" r:id="rId12"/>
+    <p:sldId id="268" r:id="rId13"/>
   </p:sldIdLst>
   <p:sldSz cx="12192000" cy="6858000"/>
   <p:notesSz cx="6858000" cy="9144000"/>
@@ -120,6 +124,442 @@
     </p:ext>
   </p:extLst>
 </p:presentation>
+</file>
+
+<file path=ppt/notesMasters/notesMaster1.xml><?xml version="1.0" encoding="utf-8"?>
+<p:notesMaster xmlns:a="http://schemas.openxmlformats.org/drawingml/2006/main" xmlns:r="http://schemas.openxmlformats.org/officeDocument/2006/relationships" xmlns:p="http://schemas.openxmlformats.org/presentationml/2006/main">
+  <p:cSld>
+    <p:bg>
+      <p:bgRef idx="1001">
+        <a:schemeClr val="bg1"/>
+      </p:bgRef>
+    </p:bg>
+    <p:spTree>
+      <p:nvGrpSpPr>
+        <p:cNvPr id="1" name=""/>
+        <p:cNvGrpSpPr/>
+        <p:nvPr/>
+      </p:nvGrpSpPr>
+      <p:grpSpPr>
+        <a:xfrm>
+          <a:off x="0" y="0"/>
+          <a:ext cx="0" cy="0"/>
+          <a:chOff x="0" y="0"/>
+          <a:chExt cx="0" cy="0"/>
+        </a:xfrm>
+      </p:grpSpPr>
+      <p:sp>
+        <p:nvSpPr>
+          <p:cNvPr id="2" name="Header Placeholder 1"/>
+          <p:cNvSpPr>
+            <a:spLocks noGrp="1"/>
+          </p:cNvSpPr>
+          <p:nvPr>
+            <p:ph type="hdr" sz="quarter"/>
+          </p:nvPr>
+        </p:nvSpPr>
+        <p:spPr>
+          <a:xfrm>
+            <a:off x="0" y="0"/>
+            <a:ext cx="2971800" cy="458788"/>
+          </a:xfrm>
+          <a:prstGeom prst="rect">
+            <a:avLst/>
+          </a:prstGeom>
+        </p:spPr>
+        <p:txBody>
+          <a:bodyPr vert="horz" lIns="91440" tIns="45720" rIns="91440" bIns="45720" rtlCol="0"/>
+          <a:lstStyle>
+            <a:lvl1pPr algn="l">
+              <a:defRPr sz="1200"/>
+            </a:lvl1pPr>
+          </a:lstStyle>
+          <a:p>
+            <a:endParaRPr lang="en-US"/>
+          </a:p>
+        </p:txBody>
+      </p:sp>
+      <p:sp>
+        <p:nvSpPr>
+          <p:cNvPr id="3" name="Date Placeholder 2"/>
+          <p:cNvSpPr>
+            <a:spLocks noGrp="1"/>
+          </p:cNvSpPr>
+          <p:nvPr>
+            <p:ph type="dt" idx="1"/>
+          </p:nvPr>
+        </p:nvSpPr>
+        <p:spPr>
+          <a:xfrm>
+            <a:off x="3884613" y="0"/>
+            <a:ext cx="2971800" cy="458788"/>
+          </a:xfrm>
+          <a:prstGeom prst="rect">
+            <a:avLst/>
+          </a:prstGeom>
+        </p:spPr>
+        <p:txBody>
+          <a:bodyPr vert="horz" lIns="91440" tIns="45720" rIns="91440" bIns="45720" rtlCol="0"/>
+          <a:lstStyle>
+            <a:lvl1pPr algn="r">
+              <a:defRPr sz="1200"/>
+            </a:lvl1pPr>
+          </a:lstStyle>
+          <a:p>
+            <a:fld id="{DC3772FE-1941-463C-9B50-FBCA6DD4448D}" type="datetimeFigureOut">
+              <a:rPr lang="en-US" smtClean="0"/>
+              <a:t>12/20/2021</a:t>
+            </a:fld>
+            <a:endParaRPr lang="en-US"/>
+          </a:p>
+        </p:txBody>
+      </p:sp>
+      <p:sp>
+        <p:nvSpPr>
+          <p:cNvPr id="4" name="Slide Image Placeholder 3"/>
+          <p:cNvSpPr>
+            <a:spLocks noGrp="1" noRot="1" noChangeAspect="1"/>
+          </p:cNvSpPr>
+          <p:nvPr>
+            <p:ph type="sldImg" idx="2"/>
+          </p:nvPr>
+        </p:nvSpPr>
+        <p:spPr>
+          <a:xfrm>
+            <a:off x="685800" y="1143000"/>
+            <a:ext cx="5486400" cy="3086100"/>
+          </a:xfrm>
+          <a:prstGeom prst="rect">
+            <a:avLst/>
+          </a:prstGeom>
+          <a:noFill/>
+          <a:ln w="12700">
+            <a:solidFill>
+              <a:prstClr val="black"/>
+            </a:solidFill>
+          </a:ln>
+        </p:spPr>
+        <p:txBody>
+          <a:bodyPr vert="horz" lIns="91440" tIns="45720" rIns="91440" bIns="45720" rtlCol="0" anchor="ctr"/>
+          <a:lstStyle/>
+          <a:p>
+            <a:endParaRPr lang="en-US"/>
+          </a:p>
+        </p:txBody>
+      </p:sp>
+      <p:sp>
+        <p:nvSpPr>
+          <p:cNvPr id="5" name="Notes Placeholder 4"/>
+          <p:cNvSpPr>
+            <a:spLocks noGrp="1"/>
+          </p:cNvSpPr>
+          <p:nvPr>
+            <p:ph type="body" sz="quarter" idx="3"/>
+          </p:nvPr>
+        </p:nvSpPr>
+        <p:spPr>
+          <a:xfrm>
+            <a:off x="685800" y="4400550"/>
+            <a:ext cx="5486400" cy="3600450"/>
+          </a:xfrm>
+          <a:prstGeom prst="rect">
+            <a:avLst/>
+          </a:prstGeom>
+        </p:spPr>
+        <p:txBody>
+          <a:bodyPr vert="horz" lIns="91440" tIns="45720" rIns="91440" bIns="45720" rtlCol="0"/>
+          <a:lstStyle/>
+          <a:p>
+            <a:pPr lvl="0"/>
+            <a:r>
+              <a:rPr lang="en-US"/>
+              <a:t>Click to edit Master text styles</a:t>
+            </a:r>
+          </a:p>
+          <a:p>
+            <a:pPr lvl="1"/>
+            <a:r>
+              <a:rPr lang="en-US"/>
+              <a:t>Second level</a:t>
+            </a:r>
+          </a:p>
+          <a:p>
+            <a:pPr lvl="2"/>
+            <a:r>
+              <a:rPr lang="en-US"/>
+              <a:t>Third level</a:t>
+            </a:r>
+          </a:p>
+          <a:p>
+            <a:pPr lvl="3"/>
+            <a:r>
+              <a:rPr lang="en-US"/>
+              <a:t>Fourth level</a:t>
+            </a:r>
+          </a:p>
+          <a:p>
+            <a:pPr lvl="4"/>
+            <a:r>
+              <a:rPr lang="en-US"/>
+              <a:t>Fifth level</a:t>
+            </a:r>
+          </a:p>
+        </p:txBody>
+      </p:sp>
+      <p:sp>
+        <p:nvSpPr>
+          <p:cNvPr id="6" name="Footer Placeholder 5"/>
+          <p:cNvSpPr>
+            <a:spLocks noGrp="1"/>
+          </p:cNvSpPr>
+          <p:nvPr>
+            <p:ph type="ftr" sz="quarter" idx="4"/>
+          </p:nvPr>
+        </p:nvSpPr>
+        <p:spPr>
+          <a:xfrm>
+            <a:off x="0" y="8685213"/>
+            <a:ext cx="2971800" cy="458787"/>
+          </a:xfrm>
+          <a:prstGeom prst="rect">
+            <a:avLst/>
+          </a:prstGeom>
+        </p:spPr>
+        <p:txBody>
+          <a:bodyPr vert="horz" lIns="91440" tIns="45720" rIns="91440" bIns="45720" rtlCol="0" anchor="b"/>
+          <a:lstStyle>
+            <a:lvl1pPr algn="l">
+              <a:defRPr sz="1200"/>
+            </a:lvl1pPr>
+          </a:lstStyle>
+          <a:p>
+            <a:endParaRPr lang="en-US"/>
+          </a:p>
+        </p:txBody>
+      </p:sp>
+      <p:sp>
+        <p:nvSpPr>
+          <p:cNvPr id="7" name="Slide Number Placeholder 6"/>
+          <p:cNvSpPr>
+            <a:spLocks noGrp="1"/>
+          </p:cNvSpPr>
+          <p:nvPr>
+            <p:ph type="sldNum" sz="quarter" idx="5"/>
+          </p:nvPr>
+        </p:nvSpPr>
+        <p:spPr>
+          <a:xfrm>
+            <a:off x="3884613" y="8685213"/>
+            <a:ext cx="2971800" cy="458787"/>
+          </a:xfrm>
+          <a:prstGeom prst="rect">
+            <a:avLst/>
+          </a:prstGeom>
+        </p:spPr>
+        <p:txBody>
+          <a:bodyPr vert="horz" lIns="91440" tIns="45720" rIns="91440" bIns="45720" rtlCol="0" anchor="b"/>
+          <a:lstStyle>
+            <a:lvl1pPr algn="r">
+              <a:defRPr sz="1200"/>
+            </a:lvl1pPr>
+          </a:lstStyle>
+          <a:p>
+            <a:fld id="{190B44D7-E845-4AE5-8F7B-0AB561C45A80}" type="slidenum">
+              <a:rPr lang="en-US" smtClean="0"/>
+              <a:t>‹#›</a:t>
+            </a:fld>
+            <a:endParaRPr lang="en-US"/>
+          </a:p>
+        </p:txBody>
+      </p:sp>
+    </p:spTree>
+    <p:extLst>
+      <p:ext uri="{BB962C8B-B14F-4D97-AF65-F5344CB8AC3E}">
+        <p14:creationId xmlns:p14="http://schemas.microsoft.com/office/powerpoint/2010/main" val="1312707394"/>
+      </p:ext>
+    </p:extLst>
+  </p:cSld>
+  <p:clrMap bg1="lt1" tx1="dk1" bg2="lt2" tx2="dk2" accent1="accent1" accent2="accent2" accent3="accent3" accent4="accent4" accent5="accent5" accent6="accent6" hlink="hlink" folHlink="folHlink"/>
+  <p:notesStyle>
+    <a:lvl1pPr marL="0" algn="l" defTabSz="914400" rtl="0" eaLnBrk="1" latinLnBrk="0" hangingPunct="1">
+      <a:defRPr sz="1200" kern="1200">
+        <a:solidFill>
+          <a:schemeClr val="tx1"/>
+        </a:solidFill>
+        <a:latin typeface="+mn-lt"/>
+        <a:ea typeface="+mn-ea"/>
+        <a:cs typeface="+mn-cs"/>
+      </a:defRPr>
+    </a:lvl1pPr>
+    <a:lvl2pPr marL="457200" algn="l" defTabSz="914400" rtl="0" eaLnBrk="1" latinLnBrk="0" hangingPunct="1">
+      <a:defRPr sz="1200" kern="1200">
+        <a:solidFill>
+          <a:schemeClr val="tx1"/>
+        </a:solidFill>
+        <a:latin typeface="+mn-lt"/>
+        <a:ea typeface="+mn-ea"/>
+        <a:cs typeface="+mn-cs"/>
+      </a:defRPr>
+    </a:lvl2pPr>
+    <a:lvl3pPr marL="914400" algn="l" defTabSz="914400" rtl="0" eaLnBrk="1" latinLnBrk="0" hangingPunct="1">
+      <a:defRPr sz="1200" kern="1200">
+        <a:solidFill>
+          <a:schemeClr val="tx1"/>
+        </a:solidFill>
+        <a:latin typeface="+mn-lt"/>
+        <a:ea typeface="+mn-ea"/>
+        <a:cs typeface="+mn-cs"/>
+      </a:defRPr>
+    </a:lvl3pPr>
+    <a:lvl4pPr marL="1371600" algn="l" defTabSz="914400" rtl="0" eaLnBrk="1" latinLnBrk="0" hangingPunct="1">
+      <a:defRPr sz="1200" kern="1200">
+        <a:solidFill>
+          <a:schemeClr val="tx1"/>
+        </a:solidFill>
+        <a:latin typeface="+mn-lt"/>
+        <a:ea typeface="+mn-ea"/>
+        <a:cs typeface="+mn-cs"/>
+      </a:defRPr>
+    </a:lvl4pPr>
+    <a:lvl5pPr marL="1828800" algn="l" defTabSz="914400" rtl="0" eaLnBrk="1" latinLnBrk="0" hangingPunct="1">
+      <a:defRPr sz="1200" kern="1200">
+        <a:solidFill>
+          <a:schemeClr val="tx1"/>
+        </a:solidFill>
+        <a:latin typeface="+mn-lt"/>
+        <a:ea typeface="+mn-ea"/>
+        <a:cs typeface="+mn-cs"/>
+      </a:defRPr>
+    </a:lvl5pPr>
+    <a:lvl6pPr marL="2286000" algn="l" defTabSz="914400" rtl="0" eaLnBrk="1" latinLnBrk="0" hangingPunct="1">
+      <a:defRPr sz="1200" kern="1200">
+        <a:solidFill>
+          <a:schemeClr val="tx1"/>
+        </a:solidFill>
+        <a:latin typeface="+mn-lt"/>
+        <a:ea typeface="+mn-ea"/>
+        <a:cs typeface="+mn-cs"/>
+      </a:defRPr>
+    </a:lvl6pPr>
+    <a:lvl7pPr marL="2743200" algn="l" defTabSz="914400" rtl="0" eaLnBrk="1" latinLnBrk="0" hangingPunct="1">
+      <a:defRPr sz="1200" kern="1200">
+        <a:solidFill>
+          <a:schemeClr val="tx1"/>
+        </a:solidFill>
+        <a:latin typeface="+mn-lt"/>
+        <a:ea typeface="+mn-ea"/>
+        <a:cs typeface="+mn-cs"/>
+      </a:defRPr>
+    </a:lvl7pPr>
+    <a:lvl8pPr marL="3200400" algn="l" defTabSz="914400" rtl="0" eaLnBrk="1" latinLnBrk="0" hangingPunct="1">
+      <a:defRPr sz="1200" kern="1200">
+        <a:solidFill>
+          <a:schemeClr val="tx1"/>
+        </a:solidFill>
+        <a:latin typeface="+mn-lt"/>
+        <a:ea typeface="+mn-ea"/>
+        <a:cs typeface="+mn-cs"/>
+      </a:defRPr>
+    </a:lvl8pPr>
+    <a:lvl9pPr marL="3657600" algn="l" defTabSz="914400" rtl="0" eaLnBrk="1" latinLnBrk="0" hangingPunct="1">
+      <a:defRPr sz="1200" kern="1200">
+        <a:solidFill>
+          <a:schemeClr val="tx1"/>
+        </a:solidFill>
+        <a:latin typeface="+mn-lt"/>
+        <a:ea typeface="+mn-ea"/>
+        <a:cs typeface="+mn-cs"/>
+      </a:defRPr>
+    </a:lvl9pPr>
+  </p:notesStyle>
+</p:notesMaster>
+</file>
+
+<file path=ppt/notesSlides/notesSlide1.xml><?xml version="1.0" encoding="utf-8"?>
+<p:notes xmlns:a="http://schemas.openxmlformats.org/drawingml/2006/main" xmlns:r="http://schemas.openxmlformats.org/officeDocument/2006/relationships" xmlns:p="http://schemas.openxmlformats.org/presentationml/2006/main">
+  <p:cSld>
+    <p:spTree>
+      <p:nvGrpSpPr>
+        <p:cNvPr id="1" name=""/>
+        <p:cNvGrpSpPr/>
+        <p:nvPr/>
+      </p:nvGrpSpPr>
+      <p:grpSpPr>
+        <a:xfrm>
+          <a:off x="0" y="0"/>
+          <a:ext cx="0" cy="0"/>
+          <a:chOff x="0" y="0"/>
+          <a:chExt cx="0" cy="0"/>
+        </a:xfrm>
+      </p:grpSpPr>
+      <p:sp>
+        <p:nvSpPr>
+          <p:cNvPr id="2" name="Slide Image Placeholder 1"/>
+          <p:cNvSpPr>
+            <a:spLocks noGrp="1" noRot="1" noChangeAspect="1"/>
+          </p:cNvSpPr>
+          <p:nvPr>
+            <p:ph type="sldImg"/>
+          </p:nvPr>
+        </p:nvSpPr>
+        <p:spPr/>
+      </p:sp>
+      <p:sp>
+        <p:nvSpPr>
+          <p:cNvPr id="3" name="Notes Placeholder 2"/>
+          <p:cNvSpPr>
+            <a:spLocks noGrp="1"/>
+          </p:cNvSpPr>
+          <p:nvPr>
+            <p:ph type="body" idx="1"/>
+          </p:nvPr>
+        </p:nvSpPr>
+        <p:spPr/>
+        <p:txBody>
+          <a:bodyPr/>
+          <a:lstStyle/>
+          <a:p>
+            <a:r>
+              <a:rPr lang="en-US" dirty="0"/>
+              <a:t>Reference: https://www.tutorialspoint.com/what-is-a-constant-and-how-to-define-constants-in-java</a:t>
+            </a:r>
+          </a:p>
+        </p:txBody>
+      </p:sp>
+      <p:sp>
+        <p:nvSpPr>
+          <p:cNvPr id="4" name="Slide Number Placeholder 3"/>
+          <p:cNvSpPr>
+            <a:spLocks noGrp="1"/>
+          </p:cNvSpPr>
+          <p:nvPr>
+            <p:ph type="sldNum" sz="quarter" idx="5"/>
+          </p:nvPr>
+        </p:nvSpPr>
+        <p:spPr/>
+        <p:txBody>
+          <a:bodyPr/>
+          <a:lstStyle/>
+          <a:p>
+            <a:fld id="{190B44D7-E845-4AE5-8F7B-0AB561C45A80}" type="slidenum">
+              <a:rPr lang="en-US" smtClean="0"/>
+              <a:t>12</a:t>
+            </a:fld>
+            <a:endParaRPr lang="en-US"/>
+          </a:p>
+        </p:txBody>
+      </p:sp>
+    </p:spTree>
+    <p:extLst>
+      <p:ext uri="{BB962C8B-B14F-4D97-AF65-F5344CB8AC3E}">
+        <p14:creationId xmlns:p14="http://schemas.microsoft.com/office/powerpoint/2010/main" val="1253539982"/>
+      </p:ext>
+    </p:extLst>
+  </p:cSld>
+  <p:clrMapOvr>
+    <a:masterClrMapping/>
+  </p:clrMapOvr>
+</p:notes>
 </file>
 
 <file path=ppt/slideLayouts/slideLayout1.xml><?xml version="1.0" encoding="utf-8"?>
@@ -3656,7 +4096,7 @@
           <a:p>
             <a:r>
               <a:rPr lang="en-US" dirty="0"/>
-              <a:t>Abstract</a:t>
+              <a:t>Abstract (can use in class &amp; method)</a:t>
             </a:r>
           </a:p>
         </p:txBody>
@@ -3940,6 +4380,140 @@
     <p:extLst>
       <p:ext uri="{BB962C8B-B14F-4D97-AF65-F5344CB8AC3E}">
         <p14:creationId xmlns:p14="http://schemas.microsoft.com/office/powerpoint/2010/main" val="700953230"/>
+      </p:ext>
+    </p:extLst>
+  </p:cSld>
+  <p:clrMapOvr>
+    <a:masterClrMapping/>
+  </p:clrMapOvr>
+</p:sld>
+</file>
+
+<file path=ppt/slides/slide12.xml><?xml version="1.0" encoding="utf-8"?>
+<p:sld xmlns:a="http://schemas.openxmlformats.org/drawingml/2006/main" xmlns:r="http://schemas.openxmlformats.org/officeDocument/2006/relationships" xmlns:p="http://schemas.openxmlformats.org/presentationml/2006/main">
+  <p:cSld>
+    <p:spTree>
+      <p:nvGrpSpPr>
+        <p:cNvPr id="1" name=""/>
+        <p:cNvGrpSpPr/>
+        <p:nvPr/>
+      </p:nvGrpSpPr>
+      <p:grpSpPr>
+        <a:xfrm>
+          <a:off x="0" y="0"/>
+          <a:ext cx="0" cy="0"/>
+          <a:chOff x="0" y="0"/>
+          <a:chExt cx="0" cy="0"/>
+        </a:xfrm>
+      </p:grpSpPr>
+      <p:sp>
+        <p:nvSpPr>
+          <p:cNvPr id="2" name="Title 1">
+            <a:extLst>
+              <a:ext uri="{FF2B5EF4-FFF2-40B4-BE49-F238E27FC236}">
+                <a16:creationId xmlns:a16="http://schemas.microsoft.com/office/drawing/2014/main" id="{A0AEAC2D-5079-43E9-94C6-CF804C5D6B3D}"/>
+              </a:ext>
+            </a:extLst>
+          </p:cNvPr>
+          <p:cNvSpPr>
+            <a:spLocks noGrp="1"/>
+          </p:cNvSpPr>
+          <p:nvPr>
+            <p:ph type="title"/>
+          </p:nvPr>
+        </p:nvSpPr>
+        <p:spPr>
+          <a:xfrm>
+            <a:off x="617403" y="-86566"/>
+            <a:ext cx="10515600" cy="1325563"/>
+          </a:xfrm>
+        </p:spPr>
+        <p:txBody>
+          <a:bodyPr/>
+          <a:lstStyle/>
+          <a:p>
+            <a:r>
+              <a:rPr lang="en-US" dirty="0"/>
+              <a:t>Final (Variable, Method and class)</a:t>
+            </a:r>
+          </a:p>
+        </p:txBody>
+      </p:sp>
+      <p:sp>
+        <p:nvSpPr>
+          <p:cNvPr id="3" name="Content Placeholder 2">
+            <a:extLst>
+              <a:ext uri="{FF2B5EF4-FFF2-40B4-BE49-F238E27FC236}">
+                <a16:creationId xmlns:a16="http://schemas.microsoft.com/office/drawing/2014/main" id="{B2D0FB72-485F-4BDE-A34B-2A514D7781CD}"/>
+              </a:ext>
+            </a:extLst>
+          </p:cNvPr>
+          <p:cNvSpPr>
+            <a:spLocks noGrp="1"/>
+          </p:cNvSpPr>
+          <p:nvPr>
+            <p:ph idx="1"/>
+          </p:nvPr>
+        </p:nvSpPr>
+        <p:spPr>
+          <a:xfrm>
+            <a:off x="242371" y="1238997"/>
+            <a:ext cx="11490593" cy="5271972"/>
+          </a:xfrm>
+        </p:spPr>
+        <p:txBody>
+          <a:bodyPr>
+            <a:normAutofit/>
+          </a:bodyPr>
+          <a:lstStyle/>
+          <a:p>
+            <a:pPr marL="0" indent="0">
+              <a:buNone/>
+            </a:pPr>
+            <a:endParaRPr lang="en-US" dirty="0"/>
+          </a:p>
+          <a:p>
+            <a:r>
+              <a:rPr lang="en-US" dirty="0"/>
+              <a:t>If put a “final” in front of variable, it becomes a constant (can’t be changed anymore once it has been assigned). E.g. final int Pi = 3.14f</a:t>
+            </a:r>
+          </a:p>
+          <a:p>
+            <a:pPr marL="0" indent="0">
+              <a:buNone/>
+            </a:pPr>
+            <a:r>
+              <a:rPr lang="en-US" dirty="0"/>
+              <a:t>	</a:t>
+            </a:r>
+          </a:p>
+          <a:p>
+            <a:r>
+              <a:rPr lang="en-US" dirty="0"/>
+              <a:t>If we make the parent class as final, child class can’t extend parent class</a:t>
+            </a:r>
+          </a:p>
+          <a:p>
+            <a:endParaRPr lang="en-US" dirty="0"/>
+          </a:p>
+          <a:p>
+            <a:r>
+              <a:rPr lang="en-US" dirty="0"/>
+              <a:t>If we make the method (parent class) as final, child class can’t override this method</a:t>
+            </a:r>
+          </a:p>
+          <a:p>
+            <a:endParaRPr lang="en-US" dirty="0"/>
+          </a:p>
+          <a:p>
+            <a:endParaRPr lang="en-US" dirty="0"/>
+          </a:p>
+        </p:txBody>
+      </p:sp>
+    </p:spTree>
+    <p:extLst>
+      <p:ext uri="{BB962C8B-B14F-4D97-AF65-F5344CB8AC3E}">
+        <p14:creationId xmlns:p14="http://schemas.microsoft.com/office/powerpoint/2010/main" val="3861061509"/>
       </p:ext>
     </p:extLst>
   </p:cSld>
@@ -5088,4 +5662,299 @@
     </a:ext>
   </a:extLst>
 </a:theme>
+</file>
+
+<file path=ppt/theme/theme2.xml><?xml version="1.0" encoding="utf-8"?>
+<a:theme xmlns:a="http://schemas.openxmlformats.org/drawingml/2006/main" name="Office Theme">
+  <a:themeElements>
+    <a:clrScheme name="Office">
+      <a:dk1>
+        <a:sysClr val="windowText" lastClr="000000"/>
+      </a:dk1>
+      <a:lt1>
+        <a:sysClr val="window" lastClr="FFFFFF"/>
+      </a:lt1>
+      <a:dk2>
+        <a:srgbClr val="44546A"/>
+      </a:dk2>
+      <a:lt2>
+        <a:srgbClr val="E7E6E6"/>
+      </a:lt2>
+      <a:accent1>
+        <a:srgbClr val="4472C4"/>
+      </a:accent1>
+      <a:accent2>
+        <a:srgbClr val="ED7D31"/>
+      </a:accent2>
+      <a:accent3>
+        <a:srgbClr val="A5A5A5"/>
+      </a:accent3>
+      <a:accent4>
+        <a:srgbClr val="FFC000"/>
+      </a:accent4>
+      <a:accent5>
+        <a:srgbClr val="5B9BD5"/>
+      </a:accent5>
+      <a:accent6>
+        <a:srgbClr val="70AD47"/>
+      </a:accent6>
+      <a:hlink>
+        <a:srgbClr val="0563C1"/>
+      </a:hlink>
+      <a:folHlink>
+        <a:srgbClr val="954F72"/>
+      </a:folHlink>
+    </a:clrScheme>
+    <a:fontScheme name="Office">
+      <a:majorFont>
+        <a:latin typeface="Calibri Light" panose="020F0302020204030204"/>
+        <a:ea typeface=""/>
+        <a:cs typeface=""/>
+        <a:font script="Jpan" typeface="游ゴシック Light"/>
+        <a:font script="Hang" typeface="맑은 고딕"/>
+        <a:font script="Hans" typeface="等线 Light"/>
+        <a:font script="Hant" typeface="新細明體"/>
+        <a:font script="Arab" typeface="Times New Roman"/>
+        <a:font script="Hebr" typeface="Times New Roman"/>
+        <a:font script="Thai" typeface="Angsana New"/>
+        <a:font script="Ethi" typeface="Nyala"/>
+        <a:font script="Beng" typeface="Vrinda"/>
+        <a:font script="Gujr" typeface="Shruti"/>
+        <a:font script="Khmr" typeface="MoolBoran"/>
+        <a:font script="Knda" typeface="Tunga"/>
+        <a:font script="Guru" typeface="Raavi"/>
+        <a:font script="Cans" typeface="Euphemia"/>
+        <a:font script="Cher" typeface="Plantagenet Cherokee"/>
+        <a:font script="Yiii" typeface="Microsoft Yi Baiti"/>
+        <a:font script="Tibt" typeface="Microsoft Himalaya"/>
+        <a:font script="Thaa" typeface="MV Boli"/>
+        <a:font script="Deva" typeface="Mangal"/>
+        <a:font script="Telu" typeface="Gautami"/>
+        <a:font script="Taml" typeface="Latha"/>
+        <a:font script="Syrc" typeface="Estrangelo Edessa"/>
+        <a:font script="Orya" typeface="Kalinga"/>
+        <a:font script="Mlym" typeface="Kartika"/>
+        <a:font script="Laoo" typeface="DokChampa"/>
+        <a:font script="Sinh" typeface="Iskoola Pota"/>
+        <a:font script="Mong" typeface="Mongolian Baiti"/>
+        <a:font script="Viet" typeface="Times New Roman"/>
+        <a:font script="Uigh" typeface="Microsoft Uighur"/>
+        <a:font script="Geor" typeface="Sylfaen"/>
+        <a:font script="Armn" typeface="Arial"/>
+        <a:font script="Bugi" typeface="Leelawadee UI"/>
+        <a:font script="Bopo" typeface="Microsoft JhengHei"/>
+        <a:font script="Java" typeface="Javanese Text"/>
+        <a:font script="Lisu" typeface="Segoe UI"/>
+        <a:font script="Mymr" typeface="Myanmar Text"/>
+        <a:font script="Nkoo" typeface="Ebrima"/>
+        <a:font script="Olck" typeface="Nirmala UI"/>
+        <a:font script="Osma" typeface="Ebrima"/>
+        <a:font script="Phag" typeface="Phagspa"/>
+        <a:font script="Syrn" typeface="Estrangelo Edessa"/>
+        <a:font script="Syrj" typeface="Estrangelo Edessa"/>
+        <a:font script="Syre" typeface="Estrangelo Edessa"/>
+        <a:font script="Sora" typeface="Nirmala UI"/>
+        <a:font script="Tale" typeface="Microsoft Tai Le"/>
+        <a:font script="Talu" typeface="Microsoft New Tai Lue"/>
+        <a:font script="Tfng" typeface="Ebrima"/>
+      </a:majorFont>
+      <a:minorFont>
+        <a:latin typeface="Calibri" panose="020F0502020204030204"/>
+        <a:ea typeface=""/>
+        <a:cs typeface=""/>
+        <a:font script="Jpan" typeface="游ゴシック"/>
+        <a:font script="Hang" typeface="맑은 고딕"/>
+        <a:font script="Hans" typeface="等线"/>
+        <a:font script="Hant" typeface="新細明體"/>
+        <a:font script="Arab" typeface="Arial"/>
+        <a:font script="Hebr" typeface="Arial"/>
+        <a:font script="Thai" typeface="Cordia New"/>
+        <a:font script="Ethi" typeface="Nyala"/>
+        <a:font script="Beng" typeface="Vrinda"/>
+        <a:font script="Gujr" typeface="Shruti"/>
+        <a:font script="Khmr" typeface="DaunPenh"/>
+        <a:font script="Knda" typeface="Tunga"/>
+        <a:font script="Guru" typeface="Raavi"/>
+        <a:font script="Cans" typeface="Euphemia"/>
+        <a:font script="Cher" typeface="Plantagenet Cherokee"/>
+        <a:font script="Yiii" typeface="Microsoft Yi Baiti"/>
+        <a:font script="Tibt" typeface="Microsoft Himalaya"/>
+        <a:font script="Thaa" typeface="MV Boli"/>
+        <a:font script="Deva" typeface="Mangal"/>
+        <a:font script="Telu" typeface="Gautami"/>
+        <a:font script="Taml" typeface="Latha"/>
+        <a:font script="Syrc" typeface="Estrangelo Edessa"/>
+        <a:font script="Orya" typeface="Kalinga"/>
+        <a:font script="Mlym" typeface="Kartika"/>
+        <a:font script="Laoo" typeface="DokChampa"/>
+        <a:font script="Sinh" typeface="Iskoola Pota"/>
+        <a:font script="Mong" typeface="Mongolian Baiti"/>
+        <a:font script="Viet" typeface="Arial"/>
+        <a:font script="Uigh" typeface="Microsoft Uighur"/>
+        <a:font script="Geor" typeface="Sylfaen"/>
+        <a:font script="Armn" typeface="Arial"/>
+        <a:font script="Bugi" typeface="Leelawadee UI"/>
+        <a:font script="Bopo" typeface="Microsoft JhengHei"/>
+        <a:font script="Java" typeface="Javanese Text"/>
+        <a:font script="Lisu" typeface="Segoe UI"/>
+        <a:font script="Mymr" typeface="Myanmar Text"/>
+        <a:font script="Nkoo" typeface="Ebrima"/>
+        <a:font script="Olck" typeface="Nirmala UI"/>
+        <a:font script="Osma" typeface="Ebrima"/>
+        <a:font script="Phag" typeface="Phagspa"/>
+        <a:font script="Syrn" typeface="Estrangelo Edessa"/>
+        <a:font script="Syrj" typeface="Estrangelo Edessa"/>
+        <a:font script="Syre" typeface="Estrangelo Edessa"/>
+        <a:font script="Sora" typeface="Nirmala UI"/>
+        <a:font script="Tale" typeface="Microsoft Tai Le"/>
+        <a:font script="Talu" typeface="Microsoft New Tai Lue"/>
+        <a:font script="Tfng" typeface="Ebrima"/>
+      </a:minorFont>
+    </a:fontScheme>
+    <a:fmtScheme name="Office">
+      <a:fillStyleLst>
+        <a:solidFill>
+          <a:schemeClr val="phClr"/>
+        </a:solidFill>
+        <a:gradFill rotWithShape="1">
+          <a:gsLst>
+            <a:gs pos="0">
+              <a:schemeClr val="phClr">
+                <a:lumMod val="110000"/>
+                <a:satMod val="105000"/>
+                <a:tint val="67000"/>
+              </a:schemeClr>
+            </a:gs>
+            <a:gs pos="50000">
+              <a:schemeClr val="phClr">
+                <a:lumMod val="105000"/>
+                <a:satMod val="103000"/>
+                <a:tint val="73000"/>
+              </a:schemeClr>
+            </a:gs>
+            <a:gs pos="100000">
+              <a:schemeClr val="phClr">
+                <a:lumMod val="105000"/>
+                <a:satMod val="109000"/>
+                <a:tint val="81000"/>
+              </a:schemeClr>
+            </a:gs>
+          </a:gsLst>
+          <a:lin ang="5400000" scaled="0"/>
+        </a:gradFill>
+        <a:gradFill rotWithShape="1">
+          <a:gsLst>
+            <a:gs pos="0">
+              <a:schemeClr val="phClr">
+                <a:satMod val="103000"/>
+                <a:lumMod val="102000"/>
+                <a:tint val="94000"/>
+              </a:schemeClr>
+            </a:gs>
+            <a:gs pos="50000">
+              <a:schemeClr val="phClr">
+                <a:satMod val="110000"/>
+                <a:lumMod val="100000"/>
+                <a:shade val="100000"/>
+              </a:schemeClr>
+            </a:gs>
+            <a:gs pos="100000">
+              <a:schemeClr val="phClr">
+                <a:lumMod val="99000"/>
+                <a:satMod val="120000"/>
+                <a:shade val="78000"/>
+              </a:schemeClr>
+            </a:gs>
+          </a:gsLst>
+          <a:lin ang="5400000" scaled="0"/>
+        </a:gradFill>
+      </a:fillStyleLst>
+      <a:lnStyleLst>
+        <a:ln w="6350" cap="flat" cmpd="sng" algn="ctr">
+          <a:solidFill>
+            <a:schemeClr val="phClr"/>
+          </a:solidFill>
+          <a:prstDash val="solid"/>
+          <a:miter lim="800000"/>
+        </a:ln>
+        <a:ln w="12700" cap="flat" cmpd="sng" algn="ctr">
+          <a:solidFill>
+            <a:schemeClr val="phClr"/>
+          </a:solidFill>
+          <a:prstDash val="solid"/>
+          <a:miter lim="800000"/>
+        </a:ln>
+        <a:ln w="19050" cap="flat" cmpd="sng" algn="ctr">
+          <a:solidFill>
+            <a:schemeClr val="phClr"/>
+          </a:solidFill>
+          <a:prstDash val="solid"/>
+          <a:miter lim="800000"/>
+        </a:ln>
+      </a:lnStyleLst>
+      <a:effectStyleLst>
+        <a:effectStyle>
+          <a:effectLst/>
+        </a:effectStyle>
+        <a:effectStyle>
+          <a:effectLst/>
+        </a:effectStyle>
+        <a:effectStyle>
+          <a:effectLst>
+            <a:outerShdw blurRad="57150" dist="19050" dir="5400000" algn="ctr" rotWithShape="0">
+              <a:srgbClr val="000000">
+                <a:alpha val="63000"/>
+              </a:srgbClr>
+            </a:outerShdw>
+          </a:effectLst>
+        </a:effectStyle>
+      </a:effectStyleLst>
+      <a:bgFillStyleLst>
+        <a:solidFill>
+          <a:schemeClr val="phClr"/>
+        </a:solidFill>
+        <a:solidFill>
+          <a:schemeClr val="phClr">
+            <a:tint val="95000"/>
+            <a:satMod val="170000"/>
+          </a:schemeClr>
+        </a:solidFill>
+        <a:gradFill rotWithShape="1">
+          <a:gsLst>
+            <a:gs pos="0">
+              <a:schemeClr val="phClr">
+                <a:tint val="93000"/>
+                <a:satMod val="150000"/>
+                <a:shade val="98000"/>
+                <a:lumMod val="102000"/>
+              </a:schemeClr>
+            </a:gs>
+            <a:gs pos="50000">
+              <a:schemeClr val="phClr">
+                <a:tint val="98000"/>
+                <a:satMod val="130000"/>
+                <a:shade val="90000"/>
+                <a:lumMod val="103000"/>
+              </a:schemeClr>
+            </a:gs>
+            <a:gs pos="100000">
+              <a:schemeClr val="phClr">
+                <a:shade val="63000"/>
+                <a:satMod val="120000"/>
+              </a:schemeClr>
+            </a:gs>
+          </a:gsLst>
+          <a:lin ang="5400000" scaled="0"/>
+        </a:gradFill>
+      </a:bgFillStyleLst>
+    </a:fmtScheme>
+  </a:themeElements>
+  <a:objectDefaults/>
+  <a:extraClrSchemeLst/>
+  <a:extLst>
+    <a:ext uri="{05A4C25C-085E-4340-85A3-A5531E510DB2}">
+      <thm15:themeFamily xmlns:thm15="http://schemas.microsoft.com/office/thememl/2012/main" name="Office Theme" id="{62F939B6-93AF-4DB8-9C6B-D6C7DFDC589F}" vid="{4A3C46E8-61CC-4603-A589-7422A47A8E4A}"/>
+    </a:ext>
+  </a:extLst>
+</a:theme>
 </file>
--- a/Java_notes.pptx
+++ b/Java_notes.pptx
@@ -5,7 +5,7 @@
     <p:sldMasterId id="2147483648" r:id="rId1"/>
   </p:sldMasterIdLst>
   <p:notesMasterIdLst>
-    <p:notesMasterId r:id="rId14"/>
+    <p:notesMasterId r:id="rId18"/>
   </p:notesMasterIdLst>
   <p:sldIdLst>
     <p:sldId id="256" r:id="rId2"/>
@@ -19,7 +19,11 @@
     <p:sldId id="265" r:id="rId10"/>
     <p:sldId id="266" r:id="rId11"/>
     <p:sldId id="267" r:id="rId12"/>
-    <p:sldId id="268" r:id="rId13"/>
+    <p:sldId id="269" r:id="rId13"/>
+    <p:sldId id="270" r:id="rId14"/>
+    <p:sldId id="268" r:id="rId15"/>
+    <p:sldId id="271" r:id="rId16"/>
+    <p:sldId id="272" r:id="rId17"/>
   </p:sldIdLst>
   <p:sldSz cx="12192000" cy="6858000"/>
   <p:notesSz cx="6858000" cy="9144000"/>
@@ -208,7 +212,7 @@
           <a:p>
             <a:fld id="{DC3772FE-1941-463C-9B50-FBCA6DD4448D}" type="datetimeFigureOut">
               <a:rPr lang="en-US" smtClean="0"/>
-              <a:t>12/20/2021</a:t>
+              <a:t>12/23/2021</a:t>
             </a:fld>
             <a:endParaRPr lang="en-US"/>
           </a:p>
@@ -543,7 +547,7 @@
           <a:p>
             <a:fld id="{190B44D7-E845-4AE5-8F7B-0AB561C45A80}" type="slidenum">
               <a:rPr lang="en-US" smtClean="0"/>
-              <a:t>12</a:t>
+              <a:t>14</a:t>
             </a:fld>
             <a:endParaRPr lang="en-US"/>
           </a:p>
@@ -709,7 +713,7 @@
           <a:p>
             <a:fld id="{54EF3891-EE92-464F-8B56-3878C41F3309}" type="datetimeFigureOut">
               <a:rPr lang="en-US" smtClean="0"/>
-              <a:t>12/16/2021</a:t>
+              <a:t>12/23/2021</a:t>
             </a:fld>
             <a:endParaRPr lang="en-US"/>
           </a:p>
@@ -907,7 +911,7 @@
           <a:p>
             <a:fld id="{54EF3891-EE92-464F-8B56-3878C41F3309}" type="datetimeFigureOut">
               <a:rPr lang="en-US" smtClean="0"/>
-              <a:t>12/16/2021</a:t>
+              <a:t>12/23/2021</a:t>
             </a:fld>
             <a:endParaRPr lang="en-US"/>
           </a:p>
@@ -1115,7 +1119,7 @@
           <a:p>
             <a:fld id="{54EF3891-EE92-464F-8B56-3878C41F3309}" type="datetimeFigureOut">
               <a:rPr lang="en-US" smtClean="0"/>
-              <a:t>12/16/2021</a:t>
+              <a:t>12/23/2021</a:t>
             </a:fld>
             <a:endParaRPr lang="en-US"/>
           </a:p>
@@ -1313,7 +1317,7 @@
           <a:p>
             <a:fld id="{54EF3891-EE92-464F-8B56-3878C41F3309}" type="datetimeFigureOut">
               <a:rPr lang="en-US" smtClean="0"/>
-              <a:t>12/16/2021</a:t>
+              <a:t>12/23/2021</a:t>
             </a:fld>
             <a:endParaRPr lang="en-US"/>
           </a:p>
@@ -1588,7 +1592,7 @@
           <a:p>
             <a:fld id="{54EF3891-EE92-464F-8B56-3878C41F3309}" type="datetimeFigureOut">
               <a:rPr lang="en-US" smtClean="0"/>
-              <a:t>12/16/2021</a:t>
+              <a:t>12/23/2021</a:t>
             </a:fld>
             <a:endParaRPr lang="en-US"/>
           </a:p>
@@ -1853,7 +1857,7 @@
           <a:p>
             <a:fld id="{54EF3891-EE92-464F-8B56-3878C41F3309}" type="datetimeFigureOut">
               <a:rPr lang="en-US" smtClean="0"/>
-              <a:t>12/16/2021</a:t>
+              <a:t>12/23/2021</a:t>
             </a:fld>
             <a:endParaRPr lang="en-US"/>
           </a:p>
@@ -2265,7 +2269,7 @@
           <a:p>
             <a:fld id="{54EF3891-EE92-464F-8B56-3878C41F3309}" type="datetimeFigureOut">
               <a:rPr lang="en-US" smtClean="0"/>
-              <a:t>12/16/2021</a:t>
+              <a:t>12/23/2021</a:t>
             </a:fld>
             <a:endParaRPr lang="en-US"/>
           </a:p>
@@ -2406,7 +2410,7 @@
           <a:p>
             <a:fld id="{54EF3891-EE92-464F-8B56-3878C41F3309}" type="datetimeFigureOut">
               <a:rPr lang="en-US" smtClean="0"/>
-              <a:t>12/16/2021</a:t>
+              <a:t>12/23/2021</a:t>
             </a:fld>
             <a:endParaRPr lang="en-US"/>
           </a:p>
@@ -2519,7 +2523,7 @@
           <a:p>
             <a:fld id="{54EF3891-EE92-464F-8B56-3878C41F3309}" type="datetimeFigureOut">
               <a:rPr lang="en-US" smtClean="0"/>
-              <a:t>12/16/2021</a:t>
+              <a:t>12/23/2021</a:t>
             </a:fld>
             <a:endParaRPr lang="en-US"/>
           </a:p>
@@ -2830,7 +2834,7 @@
           <a:p>
             <a:fld id="{54EF3891-EE92-464F-8B56-3878C41F3309}" type="datetimeFigureOut">
               <a:rPr lang="en-US" smtClean="0"/>
-              <a:t>12/16/2021</a:t>
+              <a:t>12/23/2021</a:t>
             </a:fld>
             <a:endParaRPr lang="en-US"/>
           </a:p>
@@ -3118,7 +3122,7 @@
           <a:p>
             <a:fld id="{54EF3891-EE92-464F-8B56-3878C41F3309}" type="datetimeFigureOut">
               <a:rPr lang="en-US" smtClean="0"/>
-              <a:t>12/16/2021</a:t>
+              <a:t>12/23/2021</a:t>
             </a:fld>
             <a:endParaRPr lang="en-US"/>
           </a:p>
@@ -3359,7 +3363,7 @@
           <a:p>
             <a:fld id="{54EF3891-EE92-464F-8B56-3878C41F3309}" type="datetimeFigureOut">
               <a:rPr lang="en-US" smtClean="0"/>
-              <a:t>12/16/2021</a:t>
+              <a:t>12/23/2021</a:t>
             </a:fld>
             <a:endParaRPr lang="en-US"/>
           </a:p>
@@ -4376,6 +4380,82 @@
           </a:p>
         </p:txBody>
       </p:sp>
+      <p:cxnSp>
+        <p:nvCxnSpPr>
+          <p:cNvPr id="4" name="Straight Arrow Connector 3">
+            <a:extLst>
+              <a:ext uri="{FF2B5EF4-FFF2-40B4-BE49-F238E27FC236}">
+                <a16:creationId xmlns:a16="http://schemas.microsoft.com/office/drawing/2014/main" id="{8F04AA33-5430-479C-83D4-9D0A045A4BA2}"/>
+              </a:ext>
+            </a:extLst>
+          </p:cNvPr>
+          <p:cNvCxnSpPr>
+            <a:cxnSpLocks/>
+          </p:cNvCxnSpPr>
+          <p:nvPr/>
+        </p:nvCxnSpPr>
+        <p:spPr>
+          <a:xfrm>
+            <a:off x="3683000" y="3539706"/>
+            <a:ext cx="3354942" cy="1768894"/>
+          </a:xfrm>
+          <a:prstGeom prst="straightConnector1">
+            <a:avLst/>
+          </a:prstGeom>
+          <a:ln>
+            <a:tailEnd type="triangle"/>
+          </a:ln>
+        </p:spPr>
+        <p:style>
+          <a:lnRef idx="1">
+            <a:schemeClr val="accent1"/>
+          </a:lnRef>
+          <a:fillRef idx="0">
+            <a:schemeClr val="accent1"/>
+          </a:fillRef>
+          <a:effectRef idx="0">
+            <a:schemeClr val="accent1"/>
+          </a:effectRef>
+          <a:fontRef idx="minor">
+            <a:schemeClr val="tx1"/>
+          </a:fontRef>
+        </p:style>
+      </p:cxnSp>
+      <p:sp>
+        <p:nvSpPr>
+          <p:cNvPr id="7" name="TextBox 6">
+            <a:extLst>
+              <a:ext uri="{FF2B5EF4-FFF2-40B4-BE49-F238E27FC236}">
+                <a16:creationId xmlns:a16="http://schemas.microsoft.com/office/drawing/2014/main" id="{35E1088E-244B-44AF-838E-BB1D828A1CC8}"/>
+              </a:ext>
+            </a:extLst>
+          </p:cNvPr>
+          <p:cNvSpPr txBox="1"/>
+          <p:nvPr/>
+        </p:nvSpPr>
+        <p:spPr>
+          <a:xfrm>
+            <a:off x="7162800" y="5207000"/>
+            <a:ext cx="4800600" cy="1477328"/>
+          </a:xfrm>
+          <a:prstGeom prst="rect">
+            <a:avLst/>
+          </a:prstGeom>
+          <a:noFill/>
+        </p:spPr>
+        <p:txBody>
+          <a:bodyPr wrap="square" rtlCol="0">
+            <a:spAutoFit/>
+          </a:bodyPr>
+          <a:lstStyle/>
+          <a:p>
+            <a:r>
+              <a:rPr lang="en-US" dirty="0"/>
+              <a:t>Notice that we can only extend 1 class, what if there is another class called “Resident” and man class wants to extend both Human and Resident class? Apparently just using abstract can’t do this because it only allow extend 1 class. </a:t>
+            </a:r>
+          </a:p>
+        </p:txBody>
+      </p:sp>
     </p:spTree>
     <p:extLst>
       <p:ext uri="{BB962C8B-B14F-4D97-AF65-F5344CB8AC3E}">
@@ -4411,6 +4491,466 @@
           <p:cNvPr id="2" name="Title 1">
             <a:extLst>
               <a:ext uri="{FF2B5EF4-FFF2-40B4-BE49-F238E27FC236}">
+                <a16:creationId xmlns:a16="http://schemas.microsoft.com/office/drawing/2014/main" id="{BDD3FA3B-FA47-47A1-AB76-78BDCB5CCB90}"/>
+              </a:ext>
+            </a:extLst>
+          </p:cNvPr>
+          <p:cNvSpPr>
+            <a:spLocks noGrp="1"/>
+          </p:cNvSpPr>
+          <p:nvPr>
+            <p:ph type="title"/>
+          </p:nvPr>
+        </p:nvSpPr>
+        <p:spPr>
+          <a:xfrm>
+            <a:off x="838200" y="-253999"/>
+            <a:ext cx="10515600" cy="1447800"/>
+          </a:xfrm>
+        </p:spPr>
+        <p:txBody>
+          <a:bodyPr/>
+          <a:lstStyle/>
+          <a:p>
+            <a:r>
+              <a:rPr lang="en-US" dirty="0"/>
+              <a:t>Interface</a:t>
+            </a:r>
+          </a:p>
+        </p:txBody>
+      </p:sp>
+      <p:sp>
+        <p:nvSpPr>
+          <p:cNvPr id="3" name="Content Placeholder 2">
+            <a:extLst>
+              <a:ext uri="{FF2B5EF4-FFF2-40B4-BE49-F238E27FC236}">
+                <a16:creationId xmlns:a16="http://schemas.microsoft.com/office/drawing/2014/main" id="{30B6CE2B-09A5-479A-A9C4-710155A2A737}"/>
+              </a:ext>
+            </a:extLst>
+          </p:cNvPr>
+          <p:cNvSpPr>
+            <a:spLocks noGrp="1"/>
+          </p:cNvSpPr>
+          <p:nvPr>
+            <p:ph idx="1"/>
+          </p:nvPr>
+        </p:nvSpPr>
+        <p:spPr>
+          <a:xfrm>
+            <a:off x="838200" y="996950"/>
+            <a:ext cx="10515600" cy="4351338"/>
+          </a:xfrm>
+        </p:spPr>
+        <p:txBody>
+          <a:bodyPr/>
+          <a:lstStyle/>
+          <a:p>
+            <a:r>
+              <a:rPr lang="en-US" dirty="0"/>
+              <a:t>To solve the problem of child class can only extend 1 parent class, we use interface instead of abstract class</a:t>
+            </a:r>
+          </a:p>
+        </p:txBody>
+      </p:sp>
+      <p:pic>
+        <p:nvPicPr>
+          <p:cNvPr id="5" name="Picture 4">
+            <a:extLst>
+              <a:ext uri="{FF2B5EF4-FFF2-40B4-BE49-F238E27FC236}">
+                <a16:creationId xmlns:a16="http://schemas.microsoft.com/office/drawing/2014/main" id="{314C88FA-6F31-4566-87A8-AAAB50FD9109}"/>
+              </a:ext>
+            </a:extLst>
+          </p:cNvPr>
+          <p:cNvPicPr>
+            <a:picLocks noChangeAspect="1"/>
+          </p:cNvPicPr>
+          <p:nvPr/>
+        </p:nvPicPr>
+        <p:blipFill>
+          <a:blip r:embed="rId2"/>
+          <a:stretch>
+            <a:fillRect/>
+          </a:stretch>
+        </p:blipFill>
+        <p:spPr>
+          <a:xfrm>
+            <a:off x="891019" y="1866900"/>
+            <a:ext cx="4989081" cy="4995925"/>
+          </a:xfrm>
+          <a:prstGeom prst="rect">
+            <a:avLst/>
+          </a:prstGeom>
+        </p:spPr>
+      </p:pic>
+      <p:sp>
+        <p:nvSpPr>
+          <p:cNvPr id="6" name="Right Brace 5">
+            <a:extLst>
+              <a:ext uri="{FF2B5EF4-FFF2-40B4-BE49-F238E27FC236}">
+                <a16:creationId xmlns:a16="http://schemas.microsoft.com/office/drawing/2014/main" id="{6386413A-FBB5-47BD-8D51-85A5B7FC8FE5}"/>
+              </a:ext>
+            </a:extLst>
+          </p:cNvPr>
+          <p:cNvSpPr/>
+          <p:nvPr/>
+        </p:nvSpPr>
+        <p:spPr>
+          <a:xfrm>
+            <a:off x="6096000" y="2592169"/>
+            <a:ext cx="342900" cy="1168400"/>
+          </a:xfrm>
+          <a:prstGeom prst="rightBrace">
+            <a:avLst/>
+          </a:prstGeom>
+        </p:spPr>
+        <p:style>
+          <a:lnRef idx="1">
+            <a:schemeClr val="accent1"/>
+          </a:lnRef>
+          <a:fillRef idx="0">
+            <a:schemeClr val="accent1"/>
+          </a:fillRef>
+          <a:effectRef idx="0">
+            <a:schemeClr val="accent1"/>
+          </a:effectRef>
+          <a:fontRef idx="minor">
+            <a:schemeClr val="tx1"/>
+          </a:fontRef>
+        </p:style>
+        <p:txBody>
+          <a:bodyPr rtlCol="0" anchor="ctr"/>
+          <a:lstStyle/>
+          <a:p>
+            <a:pPr algn="ctr"/>
+            <a:endParaRPr lang="en-US"/>
+          </a:p>
+        </p:txBody>
+      </p:sp>
+      <p:sp>
+        <p:nvSpPr>
+          <p:cNvPr id="7" name="TextBox 6">
+            <a:extLst>
+              <a:ext uri="{FF2B5EF4-FFF2-40B4-BE49-F238E27FC236}">
+                <a16:creationId xmlns:a16="http://schemas.microsoft.com/office/drawing/2014/main" id="{FC5ABBE2-7A28-4C49-9FDA-A36DE1920C7B}"/>
+              </a:ext>
+            </a:extLst>
+          </p:cNvPr>
+          <p:cNvSpPr txBox="1"/>
+          <p:nvPr/>
+        </p:nvSpPr>
+        <p:spPr>
+          <a:xfrm>
+            <a:off x="6508750" y="2947879"/>
+            <a:ext cx="3657600" cy="646331"/>
+          </a:xfrm>
+          <a:prstGeom prst="rect">
+            <a:avLst/>
+          </a:prstGeom>
+          <a:noFill/>
+        </p:spPr>
+        <p:txBody>
+          <a:bodyPr wrap="square" rtlCol="0">
+            <a:spAutoFit/>
+          </a:bodyPr>
+          <a:lstStyle/>
+          <a:p>
+            <a:r>
+              <a:rPr lang="en-US" dirty="0"/>
+              <a:t>Note the way how to declare an interface</a:t>
+            </a:r>
+          </a:p>
+        </p:txBody>
+      </p:sp>
+      <p:sp>
+        <p:nvSpPr>
+          <p:cNvPr id="9" name="Right Brace 8">
+            <a:extLst>
+              <a:ext uri="{FF2B5EF4-FFF2-40B4-BE49-F238E27FC236}">
+                <a16:creationId xmlns:a16="http://schemas.microsoft.com/office/drawing/2014/main" id="{B019ADC3-E86C-48F5-8EE5-803AFD8F0699}"/>
+              </a:ext>
+            </a:extLst>
+          </p:cNvPr>
+          <p:cNvSpPr/>
+          <p:nvPr/>
+        </p:nvSpPr>
+        <p:spPr>
+          <a:xfrm>
+            <a:off x="6140452" y="4060798"/>
+            <a:ext cx="342900" cy="993337"/>
+          </a:xfrm>
+          <a:prstGeom prst="rightBrace">
+            <a:avLst/>
+          </a:prstGeom>
+        </p:spPr>
+        <p:style>
+          <a:lnRef idx="1">
+            <a:schemeClr val="accent1"/>
+          </a:lnRef>
+          <a:fillRef idx="0">
+            <a:schemeClr val="accent1"/>
+          </a:fillRef>
+          <a:effectRef idx="0">
+            <a:schemeClr val="accent1"/>
+          </a:effectRef>
+          <a:fontRef idx="minor">
+            <a:schemeClr val="tx1"/>
+          </a:fontRef>
+        </p:style>
+        <p:txBody>
+          <a:bodyPr rtlCol="0" anchor="ctr"/>
+          <a:lstStyle/>
+          <a:p>
+            <a:pPr algn="ctr"/>
+            <a:endParaRPr lang="en-US"/>
+          </a:p>
+        </p:txBody>
+      </p:sp>
+      <p:sp>
+        <p:nvSpPr>
+          <p:cNvPr id="10" name="TextBox 9">
+            <a:extLst>
+              <a:ext uri="{FF2B5EF4-FFF2-40B4-BE49-F238E27FC236}">
+                <a16:creationId xmlns:a16="http://schemas.microsoft.com/office/drawing/2014/main" id="{D187F1C2-D67B-4B45-9362-A72C78E2CFA8}"/>
+              </a:ext>
+            </a:extLst>
+          </p:cNvPr>
+          <p:cNvSpPr txBox="1"/>
+          <p:nvPr/>
+        </p:nvSpPr>
+        <p:spPr>
+          <a:xfrm>
+            <a:off x="6680200" y="4364862"/>
+            <a:ext cx="3937000" cy="646331"/>
+          </a:xfrm>
+          <a:prstGeom prst="rect">
+            <a:avLst/>
+          </a:prstGeom>
+          <a:noFill/>
+        </p:spPr>
+        <p:txBody>
+          <a:bodyPr wrap="square" rtlCol="0">
+            <a:spAutoFit/>
+          </a:bodyPr>
+          <a:lstStyle/>
+          <a:p>
+            <a:r>
+              <a:rPr lang="en-US" dirty="0"/>
+              <a:t>Child class can implement both interfaces </a:t>
+            </a:r>
+          </a:p>
+        </p:txBody>
+      </p:sp>
+    </p:spTree>
+    <p:extLst>
+      <p:ext uri="{BB962C8B-B14F-4D97-AF65-F5344CB8AC3E}">
+        <p14:creationId xmlns:p14="http://schemas.microsoft.com/office/powerpoint/2010/main" val="3699809975"/>
+      </p:ext>
+    </p:extLst>
+  </p:cSld>
+  <p:clrMapOvr>
+    <a:masterClrMapping/>
+  </p:clrMapOvr>
+</p:sld>
+</file>
+
+<file path=ppt/slides/slide13.xml><?xml version="1.0" encoding="utf-8"?>
+<p:sld xmlns:a="http://schemas.openxmlformats.org/drawingml/2006/main" xmlns:r="http://schemas.openxmlformats.org/officeDocument/2006/relationships" xmlns:p="http://schemas.openxmlformats.org/presentationml/2006/main">
+  <p:cSld>
+    <p:spTree>
+      <p:nvGrpSpPr>
+        <p:cNvPr id="1" name=""/>
+        <p:cNvGrpSpPr/>
+        <p:nvPr/>
+      </p:nvGrpSpPr>
+      <p:grpSpPr>
+        <a:xfrm>
+          <a:off x="0" y="0"/>
+          <a:ext cx="0" cy="0"/>
+          <a:chOff x="0" y="0"/>
+          <a:chExt cx="0" cy="0"/>
+        </a:xfrm>
+      </p:grpSpPr>
+      <p:sp>
+        <p:nvSpPr>
+          <p:cNvPr id="2" name="Title 1">
+            <a:extLst>
+              <a:ext uri="{FF2B5EF4-FFF2-40B4-BE49-F238E27FC236}">
+                <a16:creationId xmlns:a16="http://schemas.microsoft.com/office/drawing/2014/main" id="{4DF6EF34-111E-4DF5-BB26-49136D280971}"/>
+              </a:ext>
+            </a:extLst>
+          </p:cNvPr>
+          <p:cNvSpPr>
+            <a:spLocks noGrp="1"/>
+          </p:cNvSpPr>
+          <p:nvPr>
+            <p:ph type="title"/>
+          </p:nvPr>
+        </p:nvSpPr>
+        <p:spPr>
+          <a:xfrm>
+            <a:off x="558800" y="18255"/>
+            <a:ext cx="10515600" cy="1325563"/>
+          </a:xfrm>
+        </p:spPr>
+        <p:txBody>
+          <a:bodyPr/>
+          <a:lstStyle/>
+          <a:p>
+            <a:r>
+              <a:rPr lang="en-US" dirty="0"/>
+              <a:t>Lambda expression</a:t>
+            </a:r>
+          </a:p>
+        </p:txBody>
+      </p:sp>
+      <p:pic>
+        <p:nvPicPr>
+          <p:cNvPr id="5" name="Content Placeholder 4">
+            <a:extLst>
+              <a:ext uri="{FF2B5EF4-FFF2-40B4-BE49-F238E27FC236}">
+                <a16:creationId xmlns:a16="http://schemas.microsoft.com/office/drawing/2014/main" id="{0FD55B78-6431-4078-9FEF-505E08077016}"/>
+              </a:ext>
+            </a:extLst>
+          </p:cNvPr>
+          <p:cNvPicPr>
+            <a:picLocks noGrp="1" noChangeAspect="1"/>
+          </p:cNvPicPr>
+          <p:nvPr>
+            <p:ph idx="1"/>
+          </p:nvPr>
+        </p:nvPicPr>
+        <p:blipFill>
+          <a:blip r:embed="rId2"/>
+          <a:stretch>
+            <a:fillRect/>
+          </a:stretch>
+        </p:blipFill>
+        <p:spPr>
+          <a:xfrm>
+            <a:off x="469899" y="1306909"/>
+            <a:ext cx="5814691" cy="3482182"/>
+          </a:xfrm>
+        </p:spPr>
+      </p:pic>
+      <p:cxnSp>
+        <p:nvCxnSpPr>
+          <p:cNvPr id="7" name="Straight Arrow Connector 6">
+            <a:extLst>
+              <a:ext uri="{FF2B5EF4-FFF2-40B4-BE49-F238E27FC236}">
+                <a16:creationId xmlns:a16="http://schemas.microsoft.com/office/drawing/2014/main" id="{EAAD8121-81D9-4182-973F-7E76B9E28634}"/>
+              </a:ext>
+            </a:extLst>
+          </p:cNvPr>
+          <p:cNvCxnSpPr>
+            <a:cxnSpLocks/>
+          </p:cNvCxnSpPr>
+          <p:nvPr/>
+        </p:nvCxnSpPr>
+        <p:spPr>
+          <a:xfrm>
+            <a:off x="5816600" y="3648164"/>
+            <a:ext cx="1117600" cy="0"/>
+          </a:xfrm>
+          <a:prstGeom prst="straightConnector1">
+            <a:avLst/>
+          </a:prstGeom>
+          <a:ln>
+            <a:tailEnd type="triangle"/>
+          </a:ln>
+        </p:spPr>
+        <p:style>
+          <a:lnRef idx="1">
+            <a:schemeClr val="accent1"/>
+          </a:lnRef>
+          <a:fillRef idx="0">
+            <a:schemeClr val="accent1"/>
+          </a:fillRef>
+          <a:effectRef idx="0">
+            <a:schemeClr val="accent1"/>
+          </a:effectRef>
+          <a:fontRef idx="minor">
+            <a:schemeClr val="tx1"/>
+          </a:fontRef>
+        </p:style>
+      </p:cxnSp>
+      <p:sp>
+        <p:nvSpPr>
+          <p:cNvPr id="8" name="TextBox 7">
+            <a:extLst>
+              <a:ext uri="{FF2B5EF4-FFF2-40B4-BE49-F238E27FC236}">
+                <a16:creationId xmlns:a16="http://schemas.microsoft.com/office/drawing/2014/main" id="{A82525F5-3916-4C41-8CF0-FB10AC199783}"/>
+              </a:ext>
+            </a:extLst>
+          </p:cNvPr>
+          <p:cNvSpPr txBox="1"/>
+          <p:nvPr/>
+        </p:nvSpPr>
+        <p:spPr>
+          <a:xfrm>
+            <a:off x="7048500" y="3048000"/>
+            <a:ext cx="4470401" cy="1200329"/>
+          </a:xfrm>
+          <a:prstGeom prst="rect">
+            <a:avLst/>
+          </a:prstGeom>
+          <a:noFill/>
+        </p:spPr>
+        <p:txBody>
+          <a:bodyPr wrap="square" rtlCol="0">
+            <a:spAutoFit/>
+          </a:bodyPr>
+          <a:lstStyle/>
+          <a:p>
+            <a:r>
+              <a:rPr lang="en-US" dirty="0"/>
+              <a:t>Lambda expression (basically is just a short cut). It’s the same as create a new class which implements the interface and in the new class there is method which prints “</a:t>
+            </a:r>
+            <a:r>
+              <a:rPr lang="en-US" dirty="0" err="1"/>
+              <a:t>Im</a:t>
+            </a:r>
+            <a:r>
+              <a:rPr lang="en-US" dirty="0"/>
+              <a:t> the best”</a:t>
+            </a:r>
+          </a:p>
+        </p:txBody>
+      </p:sp>
+    </p:spTree>
+    <p:extLst>
+      <p:ext uri="{BB962C8B-B14F-4D97-AF65-F5344CB8AC3E}">
+        <p14:creationId xmlns:p14="http://schemas.microsoft.com/office/powerpoint/2010/main" val="1410450997"/>
+      </p:ext>
+    </p:extLst>
+  </p:cSld>
+  <p:clrMapOvr>
+    <a:masterClrMapping/>
+  </p:clrMapOvr>
+</p:sld>
+</file>
+
+<file path=ppt/slides/slide14.xml><?xml version="1.0" encoding="utf-8"?>
+<p:sld xmlns:a="http://schemas.openxmlformats.org/drawingml/2006/main" xmlns:r="http://schemas.openxmlformats.org/officeDocument/2006/relationships" xmlns:p="http://schemas.openxmlformats.org/presentationml/2006/main">
+  <p:cSld>
+    <p:spTree>
+      <p:nvGrpSpPr>
+        <p:cNvPr id="1" name=""/>
+        <p:cNvGrpSpPr/>
+        <p:nvPr/>
+      </p:nvGrpSpPr>
+      <p:grpSpPr>
+        <a:xfrm>
+          <a:off x="0" y="0"/>
+          <a:ext cx="0" cy="0"/>
+          <a:chOff x="0" y="0"/>
+          <a:chExt cx="0" cy="0"/>
+        </a:xfrm>
+      </p:grpSpPr>
+      <p:sp>
+        <p:nvSpPr>
+          <p:cNvPr id="2" name="Title 1">
+            <a:extLst>
+              <a:ext uri="{FF2B5EF4-FFF2-40B4-BE49-F238E27FC236}">
                 <a16:creationId xmlns:a16="http://schemas.microsoft.com/office/drawing/2014/main" id="{A0AEAC2D-5079-43E9-94C6-CF804C5D6B3D}"/>
               </a:ext>
             </a:extLst>
@@ -4514,6 +5054,594 @@
     <p:extLst>
       <p:ext uri="{BB962C8B-B14F-4D97-AF65-F5344CB8AC3E}">
         <p14:creationId xmlns:p14="http://schemas.microsoft.com/office/powerpoint/2010/main" val="3861061509"/>
+      </p:ext>
+    </p:extLst>
+  </p:cSld>
+  <p:clrMapOvr>
+    <a:masterClrMapping/>
+  </p:clrMapOvr>
+</p:sld>
+</file>
+
+<file path=ppt/slides/slide15.xml><?xml version="1.0" encoding="utf-8"?>
+<p:sld xmlns:a="http://schemas.openxmlformats.org/drawingml/2006/main" xmlns:r="http://schemas.openxmlformats.org/officeDocument/2006/relationships" xmlns:p="http://schemas.openxmlformats.org/presentationml/2006/main">
+  <p:cSld>
+    <p:spTree>
+      <p:nvGrpSpPr>
+        <p:cNvPr id="1" name=""/>
+        <p:cNvGrpSpPr/>
+        <p:nvPr/>
+      </p:nvGrpSpPr>
+      <p:grpSpPr>
+        <a:xfrm>
+          <a:off x="0" y="0"/>
+          <a:ext cx="0" cy="0"/>
+          <a:chOff x="0" y="0"/>
+          <a:chExt cx="0" cy="0"/>
+        </a:xfrm>
+      </p:grpSpPr>
+      <p:sp>
+        <p:nvSpPr>
+          <p:cNvPr id="2" name="Title 1">
+            <a:extLst>
+              <a:ext uri="{FF2B5EF4-FFF2-40B4-BE49-F238E27FC236}">
+                <a16:creationId xmlns:a16="http://schemas.microsoft.com/office/drawing/2014/main" id="{B0675729-7996-46B0-ADF9-4E559E015EDC}"/>
+              </a:ext>
+            </a:extLst>
+          </p:cNvPr>
+          <p:cNvSpPr>
+            <a:spLocks noGrp="1"/>
+          </p:cNvSpPr>
+          <p:nvPr>
+            <p:ph type="title"/>
+          </p:nvPr>
+        </p:nvSpPr>
+        <p:spPr>
+          <a:xfrm>
+            <a:off x="838200" y="365125"/>
+            <a:ext cx="11290300" cy="1146175"/>
+          </a:xfrm>
+        </p:spPr>
+        <p:txBody>
+          <a:bodyPr>
+            <a:normAutofit fontScale="90000"/>
+          </a:bodyPr>
+          <a:lstStyle/>
+          <a:p>
+            <a:r>
+              <a:rPr lang="en-US" dirty="0"/>
+              <a:t>Access modifier (Final, Abstract, public, private, default, protected)</a:t>
+            </a:r>
+          </a:p>
+        </p:txBody>
+      </p:sp>
+      <p:sp>
+        <p:nvSpPr>
+          <p:cNvPr id="3" name="Content Placeholder 2">
+            <a:extLst>
+              <a:ext uri="{FF2B5EF4-FFF2-40B4-BE49-F238E27FC236}">
+                <a16:creationId xmlns:a16="http://schemas.microsoft.com/office/drawing/2014/main" id="{DC1C125C-E88F-45AF-A349-589C1798D35E}"/>
+              </a:ext>
+            </a:extLst>
+          </p:cNvPr>
+          <p:cNvSpPr>
+            <a:spLocks noGrp="1"/>
+          </p:cNvSpPr>
+          <p:nvPr>
+            <p:ph idx="1"/>
+          </p:nvPr>
+        </p:nvSpPr>
+        <p:spPr>
+          <a:xfrm>
+            <a:off x="450850" y="1511300"/>
+            <a:ext cx="11290300" cy="5676900"/>
+          </a:xfrm>
+        </p:spPr>
+        <p:txBody>
+          <a:bodyPr/>
+          <a:lstStyle/>
+          <a:p>
+            <a:r>
+              <a:rPr lang="en-US" dirty="0"/>
+              <a:t>Public: no limits (can access from different classes / packages. Which explain why </a:t>
+            </a:r>
+            <a:r>
+              <a:rPr lang="en-US" dirty="0">
+                <a:solidFill>
+                  <a:srgbClr val="FF0000"/>
+                </a:solidFill>
+              </a:rPr>
+              <a:t>class can’t be private or protected. Normally it’s public but can be final or abstract depends on the need</a:t>
+            </a:r>
+            <a:r>
+              <a:rPr lang="en-US" dirty="0"/>
+              <a:t>) .</a:t>
+            </a:r>
+          </a:p>
+          <a:p>
+            <a:endParaRPr lang="en-US" dirty="0"/>
+          </a:p>
+          <a:p>
+            <a:r>
+              <a:rPr lang="en-US" dirty="0"/>
+              <a:t>Private: limit to same class</a:t>
+            </a:r>
+          </a:p>
+          <a:p>
+            <a:endParaRPr lang="en-US" dirty="0"/>
+          </a:p>
+          <a:p>
+            <a:r>
+              <a:rPr lang="en-US" dirty="0"/>
+              <a:t>Default: Same package (class A/B under same package)</a:t>
+            </a:r>
+          </a:p>
+          <a:p>
+            <a:endParaRPr lang="en-US" dirty="0"/>
+          </a:p>
+          <a:p>
+            <a:r>
+              <a:rPr lang="en-US" dirty="0"/>
+              <a:t>Protected:  Same package (class A/B under same package) or different package (</a:t>
+            </a:r>
+            <a:r>
+              <a:rPr lang="en-US" dirty="0" err="1"/>
+              <a:t>eg</a:t>
+            </a:r>
+            <a:r>
+              <a:rPr lang="en-US" dirty="0"/>
+              <a:t>, class A in package A and class B in package B) but Class A is a child class of B.</a:t>
+            </a:r>
+          </a:p>
+          <a:p>
+            <a:endParaRPr lang="en-US" dirty="0"/>
+          </a:p>
+          <a:p>
+            <a:endParaRPr lang="en-US" dirty="0"/>
+          </a:p>
+          <a:p>
+            <a:endParaRPr lang="en-US" dirty="0"/>
+          </a:p>
+          <a:p>
+            <a:endParaRPr lang="en-US" dirty="0"/>
+          </a:p>
+          <a:p>
+            <a:endParaRPr lang="en-US" dirty="0"/>
+          </a:p>
+        </p:txBody>
+      </p:sp>
+    </p:spTree>
+    <p:extLst>
+      <p:ext uri="{BB962C8B-B14F-4D97-AF65-F5344CB8AC3E}">
+        <p14:creationId xmlns:p14="http://schemas.microsoft.com/office/powerpoint/2010/main" val="3961171683"/>
+      </p:ext>
+    </p:extLst>
+  </p:cSld>
+  <p:clrMapOvr>
+    <a:masterClrMapping/>
+  </p:clrMapOvr>
+</p:sld>
+</file>
+
+<file path=ppt/slides/slide16.xml><?xml version="1.0" encoding="utf-8"?>
+<p:sld xmlns:a="http://schemas.openxmlformats.org/drawingml/2006/main" xmlns:r="http://schemas.openxmlformats.org/officeDocument/2006/relationships" xmlns:p="http://schemas.openxmlformats.org/presentationml/2006/main">
+  <p:cSld>
+    <p:spTree>
+      <p:nvGrpSpPr>
+        <p:cNvPr id="1" name=""/>
+        <p:cNvGrpSpPr/>
+        <p:nvPr/>
+      </p:nvGrpSpPr>
+      <p:grpSpPr>
+        <a:xfrm>
+          <a:off x="0" y="0"/>
+          <a:ext cx="0" cy="0"/>
+          <a:chOff x="0" y="0"/>
+          <a:chExt cx="0" cy="0"/>
+        </a:xfrm>
+      </p:grpSpPr>
+      <p:sp>
+        <p:nvSpPr>
+          <p:cNvPr id="2" name="Title 1">
+            <a:extLst>
+              <a:ext uri="{FF2B5EF4-FFF2-40B4-BE49-F238E27FC236}">
+                <a16:creationId xmlns:a16="http://schemas.microsoft.com/office/drawing/2014/main" id="{BDA967C4-82A6-4375-82FC-E6A2B9B66C6B}"/>
+              </a:ext>
+            </a:extLst>
+          </p:cNvPr>
+          <p:cNvSpPr>
+            <a:spLocks noGrp="1"/>
+          </p:cNvSpPr>
+          <p:nvPr>
+            <p:ph type="title"/>
+          </p:nvPr>
+        </p:nvSpPr>
+        <p:spPr>
+          <a:xfrm>
+            <a:off x="727075" y="1"/>
+            <a:ext cx="10626725" cy="774700"/>
+          </a:xfrm>
+        </p:spPr>
+        <p:txBody>
+          <a:bodyPr>
+            <a:normAutofit/>
+          </a:bodyPr>
+          <a:lstStyle/>
+          <a:p>
+            <a:r>
+              <a:rPr lang="en-US" dirty="0"/>
+              <a:t>Example of protected access modifier </a:t>
+            </a:r>
+          </a:p>
+        </p:txBody>
+      </p:sp>
+      <p:pic>
+        <p:nvPicPr>
+          <p:cNvPr id="5" name="Content Placeholder 4">
+            <a:extLst>
+              <a:ext uri="{FF2B5EF4-FFF2-40B4-BE49-F238E27FC236}">
+                <a16:creationId xmlns:a16="http://schemas.microsoft.com/office/drawing/2014/main" id="{403D5D0B-7EB9-49A9-B092-AA47655AD1A0}"/>
+              </a:ext>
+            </a:extLst>
+          </p:cNvPr>
+          <p:cNvPicPr>
+            <a:picLocks noGrp="1" noChangeAspect="1"/>
+          </p:cNvPicPr>
+          <p:nvPr>
+            <p:ph idx="1"/>
+          </p:nvPr>
+        </p:nvPicPr>
+        <p:blipFill>
+          <a:blip r:embed="rId2"/>
+          <a:stretch>
+            <a:fillRect/>
+          </a:stretch>
+        </p:blipFill>
+        <p:spPr>
+          <a:xfrm>
+            <a:off x="727075" y="892972"/>
+            <a:ext cx="5483225" cy="2887655"/>
+          </a:xfrm>
+        </p:spPr>
+      </p:pic>
+      <p:cxnSp>
+        <p:nvCxnSpPr>
+          <p:cNvPr id="7" name="Straight Arrow Connector 6">
+            <a:extLst>
+              <a:ext uri="{FF2B5EF4-FFF2-40B4-BE49-F238E27FC236}">
+                <a16:creationId xmlns:a16="http://schemas.microsoft.com/office/drawing/2014/main" id="{7746FF4D-08F8-49ED-9220-FFE667757BE6}"/>
+              </a:ext>
+            </a:extLst>
+          </p:cNvPr>
+          <p:cNvCxnSpPr>
+            <a:cxnSpLocks/>
+          </p:cNvCxnSpPr>
+          <p:nvPr/>
+        </p:nvCxnSpPr>
+        <p:spPr>
+          <a:xfrm flipV="1">
+            <a:off x="1841500" y="2336800"/>
+            <a:ext cx="5867400" cy="419100"/>
+          </a:xfrm>
+          <a:prstGeom prst="straightConnector1">
+            <a:avLst/>
+          </a:prstGeom>
+          <a:ln>
+            <a:tailEnd type="triangle"/>
+          </a:ln>
+        </p:spPr>
+        <p:style>
+          <a:lnRef idx="1">
+            <a:schemeClr val="accent1"/>
+          </a:lnRef>
+          <a:fillRef idx="0">
+            <a:schemeClr val="accent1"/>
+          </a:fillRef>
+          <a:effectRef idx="0">
+            <a:schemeClr val="accent1"/>
+          </a:effectRef>
+          <a:fontRef idx="minor">
+            <a:schemeClr val="tx1"/>
+          </a:fontRef>
+        </p:style>
+      </p:cxnSp>
+      <p:sp>
+        <p:nvSpPr>
+          <p:cNvPr id="8" name="TextBox 7">
+            <a:extLst>
+              <a:ext uri="{FF2B5EF4-FFF2-40B4-BE49-F238E27FC236}">
+                <a16:creationId xmlns:a16="http://schemas.microsoft.com/office/drawing/2014/main" id="{96F09ABB-5516-4753-BA5E-DACA235D8EDA}"/>
+              </a:ext>
+            </a:extLst>
+          </p:cNvPr>
+          <p:cNvSpPr txBox="1"/>
+          <p:nvPr/>
+        </p:nvSpPr>
+        <p:spPr>
+          <a:xfrm>
+            <a:off x="7874000" y="2133600"/>
+            <a:ext cx="2476500" cy="369332"/>
+          </a:xfrm>
+          <a:prstGeom prst="rect">
+            <a:avLst/>
+          </a:prstGeom>
+          <a:noFill/>
+        </p:spPr>
+        <p:txBody>
+          <a:bodyPr wrap="square" rtlCol="0">
+            <a:spAutoFit/>
+          </a:bodyPr>
+          <a:lstStyle/>
+          <a:p>
+            <a:r>
+              <a:rPr lang="en-US" dirty="0"/>
+              <a:t>Student package </a:t>
+            </a:r>
+          </a:p>
+        </p:txBody>
+      </p:sp>
+      <p:cxnSp>
+        <p:nvCxnSpPr>
+          <p:cNvPr id="9" name="Straight Arrow Connector 8">
+            <a:extLst>
+              <a:ext uri="{FF2B5EF4-FFF2-40B4-BE49-F238E27FC236}">
+                <a16:creationId xmlns:a16="http://schemas.microsoft.com/office/drawing/2014/main" id="{82900BFA-55D4-4033-ACB9-0375FFFB4DBE}"/>
+              </a:ext>
+            </a:extLst>
+          </p:cNvPr>
+          <p:cNvCxnSpPr>
+            <a:cxnSpLocks/>
+          </p:cNvCxnSpPr>
+          <p:nvPr/>
+        </p:nvCxnSpPr>
+        <p:spPr>
+          <a:xfrm>
+            <a:off x="2489200" y="2975771"/>
+            <a:ext cx="5092700" cy="34129"/>
+          </a:xfrm>
+          <a:prstGeom prst="straightConnector1">
+            <a:avLst/>
+          </a:prstGeom>
+          <a:ln>
+            <a:tailEnd type="triangle"/>
+          </a:ln>
+        </p:spPr>
+        <p:style>
+          <a:lnRef idx="1">
+            <a:schemeClr val="accent1"/>
+          </a:lnRef>
+          <a:fillRef idx="0">
+            <a:schemeClr val="accent1"/>
+          </a:fillRef>
+          <a:effectRef idx="0">
+            <a:schemeClr val="accent1"/>
+          </a:effectRef>
+          <a:fontRef idx="minor">
+            <a:schemeClr val="tx1"/>
+          </a:fontRef>
+        </p:style>
+      </p:cxnSp>
+      <p:sp>
+        <p:nvSpPr>
+          <p:cNvPr id="13" name="TextBox 12">
+            <a:extLst>
+              <a:ext uri="{FF2B5EF4-FFF2-40B4-BE49-F238E27FC236}">
+                <a16:creationId xmlns:a16="http://schemas.microsoft.com/office/drawing/2014/main" id="{15E4BA8A-DA35-48E0-BDA4-EE04A5C2BBD3}"/>
+              </a:ext>
+            </a:extLst>
+          </p:cNvPr>
+          <p:cNvSpPr txBox="1"/>
+          <p:nvPr/>
+        </p:nvSpPr>
+        <p:spPr>
+          <a:xfrm>
+            <a:off x="7972424" y="2870201"/>
+            <a:ext cx="3216275" cy="369332"/>
+          </a:xfrm>
+          <a:prstGeom prst="rect">
+            <a:avLst/>
+          </a:prstGeom>
+          <a:noFill/>
+        </p:spPr>
+        <p:txBody>
+          <a:bodyPr wrap="square" rtlCol="0">
+            <a:spAutoFit/>
+          </a:bodyPr>
+          <a:lstStyle/>
+          <a:p>
+            <a:r>
+              <a:rPr lang="en-US" dirty="0"/>
+              <a:t>Class under Student package </a:t>
+            </a:r>
+          </a:p>
+        </p:txBody>
+      </p:sp>
+      <p:pic>
+        <p:nvPicPr>
+          <p:cNvPr id="18" name="Picture 17">
+            <a:extLst>
+              <a:ext uri="{FF2B5EF4-FFF2-40B4-BE49-F238E27FC236}">
+                <a16:creationId xmlns:a16="http://schemas.microsoft.com/office/drawing/2014/main" id="{5BE944FE-E943-492F-B383-834183EBDFF8}"/>
+              </a:ext>
+            </a:extLst>
+          </p:cNvPr>
+          <p:cNvPicPr>
+            <a:picLocks noChangeAspect="1"/>
+          </p:cNvPicPr>
+          <p:nvPr/>
+        </p:nvPicPr>
+        <p:blipFill>
+          <a:blip r:embed="rId3"/>
+          <a:stretch>
+            <a:fillRect/>
+          </a:stretch>
+        </p:blipFill>
+        <p:spPr>
+          <a:xfrm>
+            <a:off x="727075" y="4263082"/>
+            <a:ext cx="6717782" cy="2159287"/>
+          </a:xfrm>
+          <a:prstGeom prst="rect">
+            <a:avLst/>
+          </a:prstGeom>
+        </p:spPr>
+      </p:pic>
+      <p:cxnSp>
+        <p:nvCxnSpPr>
+          <p:cNvPr id="19" name="Straight Arrow Connector 18">
+            <a:extLst>
+              <a:ext uri="{FF2B5EF4-FFF2-40B4-BE49-F238E27FC236}">
+                <a16:creationId xmlns:a16="http://schemas.microsoft.com/office/drawing/2014/main" id="{6E90E74B-8796-48DC-AFF9-EABC92B38DFE}"/>
+              </a:ext>
+            </a:extLst>
+          </p:cNvPr>
+          <p:cNvCxnSpPr>
+            <a:cxnSpLocks/>
+          </p:cNvCxnSpPr>
+          <p:nvPr/>
+        </p:nvCxnSpPr>
+        <p:spPr>
+          <a:xfrm flipV="1">
+            <a:off x="1714500" y="5033809"/>
+            <a:ext cx="5994400" cy="471886"/>
+          </a:xfrm>
+          <a:prstGeom prst="straightConnector1">
+            <a:avLst/>
+          </a:prstGeom>
+          <a:ln>
+            <a:tailEnd type="triangle"/>
+          </a:ln>
+        </p:spPr>
+        <p:style>
+          <a:lnRef idx="1">
+            <a:schemeClr val="accent1"/>
+          </a:lnRef>
+          <a:fillRef idx="0">
+            <a:schemeClr val="accent1"/>
+          </a:fillRef>
+          <a:effectRef idx="0">
+            <a:schemeClr val="accent1"/>
+          </a:effectRef>
+          <a:fontRef idx="minor">
+            <a:schemeClr val="tx1"/>
+          </a:fontRef>
+        </p:style>
+      </p:cxnSp>
+      <p:sp>
+        <p:nvSpPr>
+          <p:cNvPr id="21" name="TextBox 20">
+            <a:extLst>
+              <a:ext uri="{FF2B5EF4-FFF2-40B4-BE49-F238E27FC236}">
+                <a16:creationId xmlns:a16="http://schemas.microsoft.com/office/drawing/2014/main" id="{1E7C69C4-E355-4E89-9463-A321F11E6135}"/>
+              </a:ext>
+            </a:extLst>
+          </p:cNvPr>
+          <p:cNvSpPr txBox="1"/>
+          <p:nvPr/>
+        </p:nvSpPr>
+        <p:spPr>
+          <a:xfrm>
+            <a:off x="7934325" y="4849143"/>
+            <a:ext cx="2476500" cy="369332"/>
+          </a:xfrm>
+          <a:prstGeom prst="rect">
+            <a:avLst/>
+          </a:prstGeom>
+          <a:noFill/>
+        </p:spPr>
+        <p:txBody>
+          <a:bodyPr wrap="square" rtlCol="0">
+            <a:spAutoFit/>
+          </a:bodyPr>
+          <a:lstStyle/>
+          <a:p>
+            <a:r>
+              <a:rPr lang="en-US" dirty="0"/>
+              <a:t>Doctor package </a:t>
+            </a:r>
+          </a:p>
+        </p:txBody>
+      </p:sp>
+      <p:cxnSp>
+        <p:nvCxnSpPr>
+          <p:cNvPr id="22" name="Straight Arrow Connector 21">
+            <a:extLst>
+              <a:ext uri="{FF2B5EF4-FFF2-40B4-BE49-F238E27FC236}">
+                <a16:creationId xmlns:a16="http://schemas.microsoft.com/office/drawing/2014/main" id="{E0156D8D-EE7E-4A39-B41F-BAA785DA09AA}"/>
+              </a:ext>
+            </a:extLst>
+          </p:cNvPr>
+          <p:cNvCxnSpPr>
+            <a:cxnSpLocks/>
+          </p:cNvCxnSpPr>
+          <p:nvPr/>
+        </p:nvCxnSpPr>
+        <p:spPr>
+          <a:xfrm>
+            <a:off x="2352157" y="5745006"/>
+            <a:ext cx="5092700" cy="34129"/>
+          </a:xfrm>
+          <a:prstGeom prst="straightConnector1">
+            <a:avLst/>
+          </a:prstGeom>
+          <a:ln>
+            <a:tailEnd type="triangle"/>
+          </a:ln>
+        </p:spPr>
+        <p:style>
+          <a:lnRef idx="1">
+            <a:schemeClr val="accent1"/>
+          </a:lnRef>
+          <a:fillRef idx="0">
+            <a:schemeClr val="accent1"/>
+          </a:fillRef>
+          <a:effectRef idx="0">
+            <a:schemeClr val="accent1"/>
+          </a:effectRef>
+          <a:fontRef idx="minor">
+            <a:schemeClr val="tx1"/>
+          </a:fontRef>
+        </p:style>
+      </p:cxnSp>
+      <p:sp>
+        <p:nvSpPr>
+          <p:cNvPr id="23" name="TextBox 22">
+            <a:extLst>
+              <a:ext uri="{FF2B5EF4-FFF2-40B4-BE49-F238E27FC236}">
+                <a16:creationId xmlns:a16="http://schemas.microsoft.com/office/drawing/2014/main" id="{47DA39F3-BDC4-4B4A-86D6-9BDA7CD12D75}"/>
+              </a:ext>
+            </a:extLst>
+          </p:cNvPr>
+          <p:cNvSpPr txBox="1"/>
+          <p:nvPr/>
+        </p:nvSpPr>
+        <p:spPr>
+          <a:xfrm>
+            <a:off x="7934325" y="5605311"/>
+            <a:ext cx="3216275" cy="923330"/>
+          </a:xfrm>
+          <a:prstGeom prst="rect">
+            <a:avLst/>
+          </a:prstGeom>
+          <a:noFill/>
+        </p:spPr>
+        <p:txBody>
+          <a:bodyPr wrap="square" rtlCol="0">
+            <a:spAutoFit/>
+          </a:bodyPr>
+          <a:lstStyle/>
+          <a:p>
+            <a:r>
+              <a:rPr lang="en-US" dirty="0"/>
+              <a:t>Class under doctor package and this class extend student package </a:t>
+            </a:r>
+          </a:p>
+        </p:txBody>
+      </p:sp>
+    </p:spTree>
+    <p:extLst>
+      <p:ext uri="{BB962C8B-B14F-4D97-AF65-F5344CB8AC3E}">
+        <p14:creationId xmlns:p14="http://schemas.microsoft.com/office/powerpoint/2010/main" val="283795196"/>
       </p:ext>
     </p:extLst>
   </p:cSld>

--- a/Java_notes.pptx
+++ b/Java_notes.pptx
@@ -5,7 +5,7 @@
     <p:sldMasterId id="2147483648" r:id="rId1"/>
   </p:sldMasterIdLst>
   <p:notesMasterIdLst>
-    <p:notesMasterId r:id="rId18"/>
+    <p:notesMasterId r:id="rId19"/>
   </p:notesMasterIdLst>
   <p:sldIdLst>
     <p:sldId id="256" r:id="rId2"/>
@@ -24,6 +24,7 @@
     <p:sldId id="268" r:id="rId15"/>
     <p:sldId id="271" r:id="rId16"/>
     <p:sldId id="272" r:id="rId17"/>
+    <p:sldId id="273" r:id="rId18"/>
   </p:sldIdLst>
   <p:sldSz cx="12192000" cy="6858000"/>
   <p:notesSz cx="6858000" cy="9144000"/>
@@ -5642,6 +5643,127 @@
     <p:extLst>
       <p:ext uri="{BB962C8B-B14F-4D97-AF65-F5344CB8AC3E}">
         <p14:creationId xmlns:p14="http://schemas.microsoft.com/office/powerpoint/2010/main" val="283795196"/>
+      </p:ext>
+    </p:extLst>
+  </p:cSld>
+  <p:clrMapOvr>
+    <a:masterClrMapping/>
+  </p:clrMapOvr>
+</p:sld>
+</file>
+
+<file path=ppt/slides/slide17.xml><?xml version="1.0" encoding="utf-8"?>
+<p:sld xmlns:a="http://schemas.openxmlformats.org/drawingml/2006/main" xmlns:r="http://schemas.openxmlformats.org/officeDocument/2006/relationships" xmlns:p="http://schemas.openxmlformats.org/presentationml/2006/main">
+  <p:cSld>
+    <p:spTree>
+      <p:nvGrpSpPr>
+        <p:cNvPr id="1" name=""/>
+        <p:cNvGrpSpPr/>
+        <p:nvPr/>
+      </p:nvGrpSpPr>
+      <p:grpSpPr>
+        <a:xfrm>
+          <a:off x="0" y="0"/>
+          <a:ext cx="0" cy="0"/>
+          <a:chOff x="0" y="0"/>
+          <a:chExt cx="0" cy="0"/>
+        </a:xfrm>
+      </p:grpSpPr>
+      <p:sp>
+        <p:nvSpPr>
+          <p:cNvPr id="2" name="Title 1">
+            <a:extLst>
+              <a:ext uri="{FF2B5EF4-FFF2-40B4-BE49-F238E27FC236}">
+                <a16:creationId xmlns:a16="http://schemas.microsoft.com/office/drawing/2014/main" id="{65FA1340-E227-4021-A2EF-D190A0842A85}"/>
+              </a:ext>
+            </a:extLst>
+          </p:cNvPr>
+          <p:cNvSpPr>
+            <a:spLocks noGrp="1"/>
+          </p:cNvSpPr>
+          <p:nvPr>
+            <p:ph type="title"/>
+          </p:nvPr>
+        </p:nvSpPr>
+        <p:spPr>
+          <a:xfrm>
+            <a:off x="838200" y="365125"/>
+            <a:ext cx="10515600" cy="777875"/>
+          </a:xfrm>
+        </p:spPr>
+        <p:txBody>
+          <a:bodyPr/>
+          <a:lstStyle/>
+          <a:p>
+            <a:r>
+              <a:rPr lang="en-US" dirty="0"/>
+              <a:t>Multi-threading</a:t>
+            </a:r>
+          </a:p>
+        </p:txBody>
+      </p:sp>
+      <p:sp>
+        <p:nvSpPr>
+          <p:cNvPr id="3" name="Content Placeholder 2">
+            <a:extLst>
+              <a:ext uri="{FF2B5EF4-FFF2-40B4-BE49-F238E27FC236}">
+                <a16:creationId xmlns:a16="http://schemas.microsoft.com/office/drawing/2014/main" id="{5F56EB15-032E-4CB7-8A53-0663D4254BF2}"/>
+              </a:ext>
+            </a:extLst>
+          </p:cNvPr>
+          <p:cNvSpPr>
+            <a:spLocks noGrp="1"/>
+          </p:cNvSpPr>
+          <p:nvPr>
+            <p:ph idx="1"/>
+          </p:nvPr>
+        </p:nvSpPr>
+        <p:spPr>
+          <a:xfrm>
+            <a:off x="838200" y="1295400"/>
+            <a:ext cx="10515600" cy="4881563"/>
+          </a:xfrm>
+        </p:spPr>
+        <p:txBody>
+          <a:bodyPr/>
+          <a:lstStyle/>
+          <a:p>
+            <a:r>
+              <a:rPr lang="en-US" dirty="0"/>
+              <a:t>Concept similar to multi-task because of </a:t>
+            </a:r>
+            <a:r>
+              <a:rPr lang="en-US" dirty="0" err="1"/>
+              <a:t>mutli</a:t>
+            </a:r>
+            <a:r>
+              <a:rPr lang="en-US" dirty="0"/>
+              <a:t>-core (muti CPUs) in modern computer</a:t>
+            </a:r>
+          </a:p>
+          <a:p>
+            <a:endParaRPr lang="en-US" dirty="0"/>
+          </a:p>
+          <a:p>
+            <a:r>
+              <a:rPr lang="en-US" dirty="0"/>
+              <a:t>Instead of just let 1 core finish the task, we can break the task and let all 4 or 8 cores run </a:t>
+            </a:r>
+            <a:r>
+              <a:rPr lang="en-US" dirty="0" err="1"/>
+              <a:t>simutiously</a:t>
+            </a:r>
+            <a:r>
+              <a:rPr lang="en-US" dirty="0"/>
+              <a:t> </a:t>
+            </a:r>
+          </a:p>
+        </p:txBody>
+      </p:sp>
+    </p:spTree>
+    <p:extLst>
+      <p:ext uri="{BB962C8B-B14F-4D97-AF65-F5344CB8AC3E}">
+        <p14:creationId xmlns:p14="http://schemas.microsoft.com/office/powerpoint/2010/main" val="338633862"/>
       </p:ext>
     </p:extLst>
   </p:cSld>

--- a/Java_notes.pptx
+++ b/Java_notes.pptx
@@ -213,7 +213,7 @@
           <a:p>
             <a:fld id="{DC3772FE-1941-463C-9B50-FBCA6DD4448D}" type="datetimeFigureOut">
               <a:rPr lang="en-US" smtClean="0"/>
-              <a:t>12/23/2021</a:t>
+              <a:t>12/24/2021</a:t>
             </a:fld>
             <a:endParaRPr lang="en-US"/>
           </a:p>
@@ -714,7 +714,7 @@
           <a:p>
             <a:fld id="{54EF3891-EE92-464F-8B56-3878C41F3309}" type="datetimeFigureOut">
               <a:rPr lang="en-US" smtClean="0"/>
-              <a:t>12/23/2021</a:t>
+              <a:t>12/24/2021</a:t>
             </a:fld>
             <a:endParaRPr lang="en-US"/>
           </a:p>
@@ -912,7 +912,7 @@
           <a:p>
             <a:fld id="{54EF3891-EE92-464F-8B56-3878C41F3309}" type="datetimeFigureOut">
               <a:rPr lang="en-US" smtClean="0"/>
-              <a:t>12/23/2021</a:t>
+              <a:t>12/24/2021</a:t>
             </a:fld>
             <a:endParaRPr lang="en-US"/>
           </a:p>
@@ -1120,7 +1120,7 @@
           <a:p>
             <a:fld id="{54EF3891-EE92-464F-8B56-3878C41F3309}" type="datetimeFigureOut">
               <a:rPr lang="en-US" smtClean="0"/>
-              <a:t>12/23/2021</a:t>
+              <a:t>12/24/2021</a:t>
             </a:fld>
             <a:endParaRPr lang="en-US"/>
           </a:p>
@@ -1318,7 +1318,7 @@
           <a:p>
             <a:fld id="{54EF3891-EE92-464F-8B56-3878C41F3309}" type="datetimeFigureOut">
               <a:rPr lang="en-US" smtClean="0"/>
-              <a:t>12/23/2021</a:t>
+              <a:t>12/24/2021</a:t>
             </a:fld>
             <a:endParaRPr lang="en-US"/>
           </a:p>
@@ -1593,7 +1593,7 @@
           <a:p>
             <a:fld id="{54EF3891-EE92-464F-8B56-3878C41F3309}" type="datetimeFigureOut">
               <a:rPr lang="en-US" smtClean="0"/>
-              <a:t>12/23/2021</a:t>
+              <a:t>12/24/2021</a:t>
             </a:fld>
             <a:endParaRPr lang="en-US"/>
           </a:p>
@@ -1858,7 +1858,7 @@
           <a:p>
             <a:fld id="{54EF3891-EE92-464F-8B56-3878C41F3309}" type="datetimeFigureOut">
               <a:rPr lang="en-US" smtClean="0"/>
-              <a:t>12/23/2021</a:t>
+              <a:t>12/24/2021</a:t>
             </a:fld>
             <a:endParaRPr lang="en-US"/>
           </a:p>
@@ -2270,7 +2270,7 @@
           <a:p>
             <a:fld id="{54EF3891-EE92-464F-8B56-3878C41F3309}" type="datetimeFigureOut">
               <a:rPr lang="en-US" smtClean="0"/>
-              <a:t>12/23/2021</a:t>
+              <a:t>12/24/2021</a:t>
             </a:fld>
             <a:endParaRPr lang="en-US"/>
           </a:p>
@@ -2411,7 +2411,7 @@
           <a:p>
             <a:fld id="{54EF3891-EE92-464F-8B56-3878C41F3309}" type="datetimeFigureOut">
               <a:rPr lang="en-US" smtClean="0"/>
-              <a:t>12/23/2021</a:t>
+              <a:t>12/24/2021</a:t>
             </a:fld>
             <a:endParaRPr lang="en-US"/>
           </a:p>
@@ -2524,7 +2524,7 @@
           <a:p>
             <a:fld id="{54EF3891-EE92-464F-8B56-3878C41F3309}" type="datetimeFigureOut">
               <a:rPr lang="en-US" smtClean="0"/>
-              <a:t>12/23/2021</a:t>
+              <a:t>12/24/2021</a:t>
             </a:fld>
             <a:endParaRPr lang="en-US"/>
           </a:p>
@@ -2835,7 +2835,7 @@
           <a:p>
             <a:fld id="{54EF3891-EE92-464F-8B56-3878C41F3309}" type="datetimeFigureOut">
               <a:rPr lang="en-US" smtClean="0"/>
-              <a:t>12/23/2021</a:t>
+              <a:t>12/24/2021</a:t>
             </a:fld>
             <a:endParaRPr lang="en-US"/>
           </a:p>
@@ -3123,7 +3123,7 @@
           <a:p>
             <a:fld id="{54EF3891-EE92-464F-8B56-3878C41F3309}" type="datetimeFigureOut">
               <a:rPr lang="en-US" smtClean="0"/>
-              <a:t>12/23/2021</a:t>
+              <a:t>12/24/2021</a:t>
             </a:fld>
             <a:endParaRPr lang="en-US"/>
           </a:p>
@@ -3364,7 +3364,7 @@
           <a:p>
             <a:fld id="{54EF3891-EE92-464F-8B56-3878C41F3309}" type="datetimeFigureOut">
               <a:rPr lang="en-US" smtClean="0"/>
-              <a:t>12/23/2021</a:t>
+              <a:t>12/24/2021</a:t>
             </a:fld>
             <a:endParaRPr lang="en-US"/>
           </a:p>
@@ -3457,54 +3457,6 @@
               <a:t>‹#›</a:t>
             </a:fld>
             <a:endParaRPr lang="en-US"/>
-          </a:p>
-        </p:txBody>
-      </p:sp>
-      <p:sp>
-        <p:nvSpPr>
-          <p:cNvPr id="7" name="MSIPCMContentMarking" descr="{&quot;HashCode&quot;:-1538819703,&quot;Placement&quot;:&quot;Header&quot;,&quot;Top&quot;:0.0,&quot;Left&quot;:0.0,&quot;SlideWidth&quot;:960,&quot;SlideHeight&quot;:540}">
-            <a:extLst>
-              <a:ext uri="{FF2B5EF4-FFF2-40B4-BE49-F238E27FC236}">
-                <a16:creationId xmlns:a16="http://schemas.microsoft.com/office/drawing/2014/main" id="{40EDB81E-5800-4691-95E4-327C9B2D2F3F}"/>
-              </a:ext>
-            </a:extLst>
-          </p:cNvPr>
-          <p:cNvSpPr txBox="1"/>
-          <p:nvPr userDrawn="1"/>
-        </p:nvSpPr>
-        <p:spPr>
-          <a:xfrm>
-            <a:off x="0" y="0"/>
-            <a:ext cx="1634581" cy="249198"/>
-          </a:xfrm>
-          <a:prstGeom prst="rect">
-            <a:avLst/>
-          </a:prstGeom>
-          <a:noFill/>
-        </p:spPr>
-        <p:txBody>
-          <a:bodyPr vert="horz" wrap="square" lIns="0" tIns="0" rIns="0" bIns="0" rtlCol="0" anchor="ctr" anchorCtr="1">
-            <a:spAutoFit/>
-          </a:bodyPr>
-          <a:lstStyle/>
-          <a:p>
-            <a:pPr algn="l">
-              <a:spcBef>
-                <a:spcPts val="0"/>
-              </a:spcBef>
-              <a:spcAft>
-                <a:spcPts val="0"/>
-              </a:spcAft>
-            </a:pPr>
-            <a:r>
-              <a:rPr lang="en-US" sz="1000">
-                <a:solidFill>
-                  <a:srgbClr val="0000FF"/>
-                </a:solidFill>
-                <a:latin typeface="Arial" panose="020B0604020202020204" pitchFamily="34" charset="0"/>
-              </a:rPr>
-              <a:t>[AMD Official Use Only]</a:t>
-            </a:r>
           </a:p>
         </p:txBody>
       </p:sp>
